--- a/spring13/slidesS13/propositional-operators.pptx
+++ b/spring13/slidesS13/propositional-operators.pptx
@@ -6436,9 +6436,14 @@
   <p:clrMapOvr>
     <a:masterClrMapping/>
   </p:clrMapOvr>
-  <p:transition xmlns:p14="http://schemas.microsoft.com/office/powerpoint/2010/main" advTm="10842">
-    <p:fade/>
-  </p:transition>
+  <mc:AlternateContent xmlns:mc="http://schemas.openxmlformats.org/markup-compatibility/2006">
+    <mc:Choice xmlns:p14="http://schemas.microsoft.com/office/powerpoint/2010/main" Requires="p14">
+      <p:transition p14:dur="0" advClick="0"/>
+    </mc:Choice>
+    <mc:Fallback>
+      <p:transition xmlns:p14="http://schemas.microsoft.com/office/powerpoint/2010/main" advClick="0"/>
+    </mc:Fallback>
+  </mc:AlternateContent>
   <p:timing>
     <p:tnLst>
       <p:par>
@@ -6973,9 +6978,18 @@
   <p:clrMapOvr>
     <a:masterClrMapping/>
   </p:clrMapOvr>
-  <p:transition xmlns:p14="http://schemas.microsoft.com/office/powerpoint/2010/main" advTm="66001">
-    <p:fade thruBlk="1"/>
-  </p:transition>
+  <mc:AlternateContent xmlns:mc="http://schemas.openxmlformats.org/markup-compatibility/2006">
+    <mc:Choice xmlns:p14="http://schemas.microsoft.com/office/powerpoint/2010/main" Requires="p14">
+      <p:transition spd="slow" p14:dur="800" advClick="0">
+        <p:fade thruBlk="1"/>
+      </p:transition>
+    </mc:Choice>
+    <mc:Fallback>
+      <p:transition xmlns:p14="http://schemas.microsoft.com/office/powerpoint/2010/main" spd="slow" advClick="0">
+        <p:fade thruBlk="1"/>
+      </p:transition>
+    </mc:Fallback>
+  </mc:AlternateContent>
   <p:timing>
     <p:tnLst>
       <p:par>
@@ -6997,7 +7011,7 @@
                             </p:stCondLst>
                             <p:childTnLst>
                               <p:par>
-                                <p:cTn id="5" presetID="1" presetClass="entr" presetSubtype="0" fill="hold" grpId="0" nodeType="clickEffect">
+                                <p:cTn id="5" presetID="9" presetClass="entr" presetSubtype="0" fill="hold" grpId="0" nodeType="clickEffect">
                                   <p:stCondLst>
                                     <p:cond delay="0"/>
                                   </p:stCondLst>
@@ -7020,18 +7034,26 @@
                                         <p:strVal val="visible"/>
                                       </p:to>
                                     </p:set>
+                                    <p:animEffect transition="in" filter="dissolve">
+                                      <p:cBhvr>
+                                        <p:cTn id="7" dur="500"/>
+                                        <p:tgtEl>
+                                          <p:spTgt spid="180229"/>
+                                        </p:tgtEl>
+                                      </p:cBhvr>
+                                    </p:animEffect>
                                   </p:childTnLst>
                                 </p:cTn>
                               </p:par>
                               <p:par>
-                                <p:cTn id="7" presetID="1" presetClass="entr" presetSubtype="0" fill="hold" grpId="0" nodeType="withEffect">
+                                <p:cTn id="8" presetID="9" presetClass="entr" presetSubtype="0" fill="hold" grpId="0" nodeType="withEffect">
                                   <p:stCondLst>
                                     <p:cond delay="0"/>
                                   </p:stCondLst>
                                   <p:childTnLst>
                                     <p:set>
                                       <p:cBhvr>
-                                        <p:cTn id="8" dur="1" fill="hold">
+                                        <p:cTn id="9" dur="1" fill="hold">
                                           <p:stCondLst>
                                             <p:cond delay="0"/>
                                           </p:stCondLst>
@@ -7047,6 +7069,14 @@
                                         <p:strVal val="visible"/>
                                       </p:to>
                                     </p:set>
+                                    <p:animEffect transition="in" filter="dissolve">
+                                      <p:cBhvr>
+                                        <p:cTn id="10" dur="500"/>
+                                        <p:tgtEl>
+                                          <p:spTgt spid="12"/>
+                                        </p:tgtEl>
+                                      </p:cBhvr>
+                                    </p:animEffect>
                                   </p:childTnLst>
                                 </p:cTn>
                               </p:par>
@@ -7057,26 +7087,26 @@
                     </p:cTn>
                   </p:par>
                   <p:par>
-                    <p:cTn id="9" fill="hold">
+                    <p:cTn id="11" fill="hold">
                       <p:stCondLst>
                         <p:cond delay="indefinite"/>
                       </p:stCondLst>
                       <p:childTnLst>
                         <p:par>
-                          <p:cTn id="10" fill="hold">
+                          <p:cTn id="12" fill="hold">
                             <p:stCondLst>
                               <p:cond delay="0"/>
                             </p:stCondLst>
                             <p:childTnLst>
                               <p:par>
-                                <p:cTn id="11" presetID="9" presetClass="entr" presetSubtype="0" fill="hold" grpId="0" nodeType="clickEffect">
+                                <p:cTn id="13" presetID="9" presetClass="entr" presetSubtype="0" fill="hold" grpId="0" nodeType="clickEffect">
                                   <p:stCondLst>
                                     <p:cond delay="0"/>
                                   </p:stCondLst>
                                   <p:childTnLst>
                                     <p:set>
                                       <p:cBhvr>
-                                        <p:cTn id="12" dur="1" fill="hold">
+                                        <p:cTn id="14" dur="1" fill="hold">
                                           <p:stCondLst>
                                             <p:cond delay="0"/>
                                           </p:stCondLst>
@@ -7094,7 +7124,7 @@
                                     </p:set>
                                     <p:animEffect transition="in" filter="dissolve">
                                       <p:cBhvr>
-                                        <p:cTn id="13" dur="500"/>
+                                        <p:cTn id="15" dur="500"/>
                                         <p:tgtEl>
                                           <p:spTgt spid="180232"/>
                                         </p:tgtEl>
@@ -7110,26 +7140,26 @@
                     </p:cTn>
                   </p:par>
                   <p:par>
-                    <p:cTn id="14" fill="hold">
+                    <p:cTn id="16" fill="hold">
                       <p:stCondLst>
                         <p:cond delay="indefinite"/>
                       </p:stCondLst>
                       <p:childTnLst>
                         <p:par>
-                          <p:cTn id="15" fill="hold">
+                          <p:cTn id="17" fill="hold">
                             <p:stCondLst>
                               <p:cond delay="0"/>
                             </p:stCondLst>
                             <p:childTnLst>
                               <p:par>
-                                <p:cTn id="16" presetID="23" presetClass="entr" presetSubtype="16" fill="hold" nodeType="clickEffect">
+                                <p:cTn id="18" presetID="23" presetClass="entr" presetSubtype="16" fill="hold" nodeType="clickEffect">
                                   <p:stCondLst>
                                     <p:cond delay="0"/>
                                   </p:stCondLst>
                                   <p:childTnLst>
                                     <p:set>
                                       <p:cBhvr>
-                                        <p:cTn id="17" dur="1" fill="hold">
+                                        <p:cTn id="19" dur="1" fill="hold">
                                           <p:stCondLst>
                                             <p:cond delay="0"/>
                                           </p:stCondLst>
@@ -7147,7 +7177,7 @@
                                     </p:set>
                                     <p:anim calcmode="lin" valueType="num">
                                       <p:cBhvr>
-                                        <p:cTn id="18" dur="500" fill="hold"/>
+                                        <p:cTn id="20" dur="500" fill="hold"/>
                                         <p:tgtEl>
                                           <p:spTgt spid="15"/>
                                         </p:tgtEl>
@@ -7170,7 +7200,7 @@
                                     </p:anim>
                                     <p:anim calcmode="lin" valueType="num">
                                       <p:cBhvr>
-                                        <p:cTn id="19" dur="500" fill="hold"/>
+                                        <p:cTn id="21" dur="500" fill="hold"/>
                                         <p:tgtEl>
                                           <p:spTgt spid="15"/>
                                         </p:tgtEl>
@@ -7201,26 +7231,26 @@
                     </p:cTn>
                   </p:par>
                   <p:par>
-                    <p:cTn id="20" fill="hold">
+                    <p:cTn id="22" fill="hold">
                       <p:stCondLst>
                         <p:cond delay="indefinite"/>
                       </p:stCondLst>
                       <p:childTnLst>
                         <p:par>
-                          <p:cTn id="21" fill="hold">
+                          <p:cTn id="23" fill="hold">
                             <p:stCondLst>
                               <p:cond delay="0"/>
                             </p:stCondLst>
                             <p:childTnLst>
                               <p:par>
-                                <p:cTn id="22" presetID="1" presetClass="entr" presetSubtype="0" fill="hold" grpId="0" nodeType="clickEffect">
+                                <p:cTn id="24" presetID="9" presetClass="entr" presetSubtype="0" fill="hold" grpId="0" nodeType="clickEffect">
                                   <p:stCondLst>
                                     <p:cond delay="0"/>
                                   </p:stCondLst>
                                   <p:childTnLst>
                                     <p:set>
                                       <p:cBhvr>
-                                        <p:cTn id="23" dur="1" fill="hold">
+                                        <p:cTn id="25" dur="1" fill="hold">
                                           <p:stCondLst>
                                             <p:cond delay="0"/>
                                           </p:stCondLst>
@@ -7236,6 +7266,14 @@
                                         <p:strVal val="visible"/>
                                       </p:to>
                                     </p:set>
+                                    <p:animEffect transition="in" filter="dissolve">
+                                      <p:cBhvr>
+                                        <p:cTn id="26" dur="500"/>
+                                        <p:tgtEl>
+                                          <p:spTgt spid="180230"/>
+                                        </p:tgtEl>
+                                      </p:cBhvr>
+                                    </p:animEffect>
                                   </p:childTnLst>
                                 </p:cTn>
                               </p:par>
@@ -7243,20 +7281,20 @@
                           </p:cTn>
                         </p:par>
                         <p:par>
-                          <p:cTn id="24" fill="hold">
+                          <p:cTn id="27" fill="hold">
                             <p:stCondLst>
-                              <p:cond delay="0"/>
+                              <p:cond delay="500"/>
                             </p:stCondLst>
                             <p:childTnLst>
                               <p:par>
-                                <p:cTn id="25" presetID="10" presetClass="entr" presetSubtype="0" fill="hold" grpId="0" nodeType="afterEffect">
+                                <p:cTn id="28" presetID="9" presetClass="entr" presetSubtype="0" fill="hold" grpId="0" nodeType="afterEffect">
                                   <p:stCondLst>
                                     <p:cond delay="0"/>
                                   </p:stCondLst>
                                   <p:childTnLst>
                                     <p:set>
                                       <p:cBhvr>
-                                        <p:cTn id="26" dur="1" fill="hold">
+                                        <p:cTn id="29" dur="1" fill="hold">
                                           <p:stCondLst>
                                             <p:cond delay="0"/>
                                           </p:stCondLst>
@@ -7276,9 +7314,9 @@
                                         <p:strVal val="visible"/>
                                       </p:to>
                                     </p:set>
-                                    <p:animEffect transition="in" filter="fade">
+                                    <p:animEffect transition="in" filter="dissolve">
                                       <p:cBhvr>
-                                        <p:cTn id="27" dur="500"/>
+                                        <p:cTn id="30" dur="500"/>
                                         <p:tgtEl>
                                           <p:spTgt spid="180231">
                                             <p:txEl>
@@ -7295,20 +7333,20 @@
                           </p:cTn>
                         </p:par>
                         <p:par>
-                          <p:cTn id="28" fill="hold">
+                          <p:cTn id="31" fill="hold">
                             <p:stCondLst>
-                              <p:cond delay="500"/>
+                              <p:cond delay="1000"/>
                             </p:stCondLst>
                             <p:childTnLst>
                               <p:par>
-                                <p:cTn id="29" presetID="10" presetClass="entr" presetSubtype="0" fill="hold" grpId="0" nodeType="afterEffect">
+                                <p:cTn id="32" presetID="9" presetClass="entr" presetSubtype="0" fill="hold" grpId="0" nodeType="afterEffect">
                                   <p:stCondLst>
                                     <p:cond delay="0"/>
                                   </p:stCondLst>
                                   <p:childTnLst>
                                     <p:set>
                                       <p:cBhvr>
-                                        <p:cTn id="30" dur="1" fill="hold">
+                                        <p:cTn id="33" dur="1" fill="hold">
                                           <p:stCondLst>
                                             <p:cond delay="0"/>
                                           </p:stCondLst>
@@ -7328,9 +7366,9 @@
                                         <p:strVal val="visible"/>
                                       </p:to>
                                     </p:set>
-                                    <p:animEffect transition="in" filter="fade">
+                                    <p:animEffect transition="in" filter="dissolve">
                                       <p:cBhvr>
-                                        <p:cTn id="31" dur="500"/>
+                                        <p:cTn id="34" dur="500"/>
                                         <p:tgtEl>
                                           <p:spTgt spid="180231">
                                             <p:txEl>
@@ -7347,20 +7385,20 @@
                           </p:cTn>
                         </p:par>
                         <p:par>
-                          <p:cTn id="32" fill="hold">
+                          <p:cTn id="35" fill="hold">
                             <p:stCondLst>
-                              <p:cond delay="1000"/>
+                              <p:cond delay="1500"/>
                             </p:stCondLst>
                             <p:childTnLst>
                               <p:par>
-                                <p:cTn id="33" presetID="10" presetClass="entr" presetSubtype="0" fill="hold" grpId="0" nodeType="afterEffect">
+                                <p:cTn id="36" presetID="9" presetClass="entr" presetSubtype="0" fill="hold" grpId="0" nodeType="afterEffect">
                                   <p:stCondLst>
                                     <p:cond delay="0"/>
                                   </p:stCondLst>
                                   <p:childTnLst>
                                     <p:set>
                                       <p:cBhvr>
-                                        <p:cTn id="34" dur="1" fill="hold">
+                                        <p:cTn id="37" dur="1" fill="hold">
                                           <p:stCondLst>
                                             <p:cond delay="0"/>
                                           </p:stCondLst>
@@ -7380,9 +7418,9 @@
                                         <p:strVal val="visible"/>
                                       </p:to>
                                     </p:set>
-                                    <p:animEffect transition="in" filter="fade">
+                                    <p:animEffect transition="in" filter="dissolve">
                                       <p:cBhvr>
-                                        <p:cTn id="35" dur="500"/>
+                                        <p:cTn id="38" dur="500"/>
                                         <p:tgtEl>
                                           <p:spTgt spid="180231">
                                             <p:txEl>
@@ -7466,7 +7504,7 @@
           <a:graphicData uri="http://schemas.openxmlformats.org/presentationml/2006/ole">
             <mc:AlternateContent xmlns:mc="http://schemas.openxmlformats.org/markup-compatibility/2006">
               <mc:Choice xmlns:v="urn:schemas-microsoft-com:vml" Requires="v">
-                <p:oleObj spid="_x0000_s236648" name="Equation" r:id="rId5" imgW="1346040" imgH="215640" progId="Equation.DSMT4">
+                <p:oleObj spid="_x0000_s236657" name="Equation" r:id="rId5" imgW="1346040" imgH="215640" progId="Equation.DSMT4">
                   <p:embed/>
                 </p:oleObj>
               </mc:Choice>
@@ -7536,7 +7574,7 @@
           <a:graphicData uri="http://schemas.openxmlformats.org/presentationml/2006/ole">
             <mc:AlternateContent xmlns:mc="http://schemas.openxmlformats.org/markup-compatibility/2006">
               <mc:Choice xmlns:v="urn:schemas-microsoft-com:vml" Requires="v">
-                <p:oleObj spid="_x0000_s236649" name="Equation" r:id="rId7" imgW="1333500" imgH="228600" progId="Equation.DSMT4">
+                <p:oleObj spid="_x0000_s236658" name="Equation" r:id="rId7" imgW="1333500" imgH="228600" progId="Equation.DSMT4">
                   <p:embed/>
                 </p:oleObj>
               </mc:Choice>
@@ -7799,8 +7837,8 @@
   <p:clrMapOvr>
     <a:masterClrMapping/>
   </p:clrMapOvr>
-  <p:transition xmlns:p14="http://schemas.microsoft.com/office/powerpoint/2010/main" advTm="88248">
-    <p:fade/>
+  <p:transition xmlns:p14="http://schemas.microsoft.com/office/powerpoint/2010/main" spd="slow" advClick="0">
+    <p:fade thruBlk="1"/>
   </p:transition>
   <p:timing>
     <p:tnLst>
@@ -7823,7 +7861,7 @@
                             </p:stCondLst>
                             <p:childTnLst>
                               <p:par>
-                                <p:cTn id="5" presetID="1" presetClass="entr" presetSubtype="0" fill="hold" nodeType="clickEffect">
+                                <p:cTn id="5" presetID="9" presetClass="entr" presetSubtype="0" fill="hold" nodeType="clickEffect">
                                   <p:stCondLst>
                                     <p:cond delay="0"/>
                                   </p:stCondLst>
@@ -7846,6 +7884,14 @@
                                         <p:strVal val="visible"/>
                                       </p:to>
                                     </p:set>
+                                    <p:animEffect transition="in" filter="dissolve">
+                                      <p:cBhvr>
+                                        <p:cTn id="7" dur="500"/>
+                                        <p:tgtEl>
+                                          <p:spTgt spid="18"/>
+                                        </p:tgtEl>
+                                      </p:cBhvr>
+                                    </p:animEffect>
                                   </p:childTnLst>
                                 </p:cTn>
                               </p:par>
@@ -7856,26 +7902,26 @@
                     </p:cTn>
                   </p:par>
                   <p:par>
-                    <p:cTn id="7" fill="hold">
+                    <p:cTn id="8" fill="hold">
                       <p:stCondLst>
                         <p:cond delay="indefinite"/>
                       </p:stCondLst>
                       <p:childTnLst>
                         <p:par>
-                          <p:cTn id="8" fill="hold">
+                          <p:cTn id="9" fill="hold">
                             <p:stCondLst>
                               <p:cond delay="0"/>
                             </p:stCondLst>
                             <p:childTnLst>
                               <p:par>
-                                <p:cTn id="9" presetID="10" presetClass="entr" presetSubtype="0" fill="hold" nodeType="clickEffect">
+                                <p:cTn id="10" presetID="9" presetClass="entr" presetSubtype="0" fill="hold" nodeType="clickEffect">
                                   <p:stCondLst>
                                     <p:cond delay="0"/>
                                   </p:stCondLst>
                                   <p:childTnLst>
                                     <p:set>
                                       <p:cBhvr>
-                                        <p:cTn id="10" dur="1" fill="hold">
+                                        <p:cTn id="11" dur="1" fill="hold">
                                           <p:stCondLst>
                                             <p:cond delay="0"/>
                                           </p:stCondLst>
@@ -7891,9 +7937,9 @@
                                         <p:strVal val="visible"/>
                                       </p:to>
                                     </p:set>
-                                    <p:animEffect transition="in" filter="fade">
+                                    <p:animEffect transition="in" filter="dissolve">
                                       <p:cBhvr>
-                                        <p:cTn id="11" dur="1000"/>
+                                        <p:cTn id="12" dur="500"/>
                                         <p:tgtEl>
                                           <p:spTgt spid="236546"/>
                                         </p:tgtEl>
@@ -7909,26 +7955,26 @@
                     </p:cTn>
                   </p:par>
                   <p:par>
-                    <p:cTn id="12" fill="hold">
+                    <p:cTn id="13" fill="hold">
                       <p:stCondLst>
                         <p:cond delay="indefinite"/>
                       </p:stCondLst>
                       <p:childTnLst>
                         <p:par>
-                          <p:cTn id="13" fill="hold">
+                          <p:cTn id="14" fill="hold">
                             <p:stCondLst>
                               <p:cond delay="0"/>
                             </p:stCondLst>
                             <p:childTnLst>
                               <p:par>
-                                <p:cTn id="14" presetID="1" presetClass="entr" presetSubtype="0" fill="hold" grpId="0" nodeType="clickEffect">
+                                <p:cTn id="15" presetID="9" presetClass="entr" presetSubtype="0" fill="hold" grpId="0" nodeType="clickEffect">
                                   <p:stCondLst>
                                     <p:cond delay="0"/>
                                   </p:stCondLst>
                                   <p:childTnLst>
                                     <p:set>
                                       <p:cBhvr>
-                                        <p:cTn id="15" dur="1" fill="hold">
+                                        <p:cTn id="16" dur="1" fill="hold">
                                           <p:stCondLst>
                                             <p:cond delay="0"/>
                                           </p:stCondLst>
@@ -7944,6 +7990,14 @@
                                         <p:strVal val="visible"/>
                                       </p:to>
                                     </p:set>
+                                    <p:animEffect transition="in" filter="dissolve">
+                                      <p:cBhvr>
+                                        <p:cTn id="17" dur="500"/>
+                                        <p:tgtEl>
+                                          <p:spTgt spid="259077"/>
+                                        </p:tgtEl>
+                                      </p:cBhvr>
+                                    </p:animEffect>
                                   </p:childTnLst>
                                 </p:cTn>
                               </p:par>
@@ -8014,7 +8068,7 @@
           <a:graphicData uri="http://schemas.openxmlformats.org/presentationml/2006/ole">
             <mc:AlternateContent xmlns:mc="http://schemas.openxmlformats.org/markup-compatibility/2006">
               <mc:Choice xmlns:v="urn:schemas-microsoft-com:vml" Requires="v">
-                <p:oleObj spid="_x0000_s234602" name="Equation" r:id="rId5" imgW="1422360" imgH="215640" progId="Equation.DSMT4">
+                <p:oleObj spid="_x0000_s234611" name="Equation" r:id="rId5" imgW="1422360" imgH="215640" progId="Equation.DSMT4">
                   <p:embed/>
                 </p:oleObj>
               </mc:Choice>
@@ -8084,7 +8138,7 @@
           <a:graphicData uri="http://schemas.openxmlformats.org/presentationml/2006/ole">
             <mc:AlternateContent xmlns:mc="http://schemas.openxmlformats.org/markup-compatibility/2006">
               <mc:Choice xmlns:v="urn:schemas-microsoft-com:vml" Requires="v">
-                <p:oleObj spid="_x0000_s234603" name="Equation" r:id="rId7" imgW="1409700" imgH="228600" progId="Equation.DSMT4">
+                <p:oleObj spid="_x0000_s234612" name="Equation" r:id="rId7" imgW="1409700" imgH="228600" progId="Equation.DSMT4">
                   <p:embed/>
                 </p:oleObj>
               </mc:Choice>
@@ -8308,9 +8362,18 @@
   <p:clrMapOvr>
     <a:masterClrMapping/>
   </p:clrMapOvr>
-  <p:transition xmlns:p14="http://schemas.microsoft.com/office/powerpoint/2010/main" advTm="57085">
-    <p:fade/>
-  </p:transition>
+  <mc:AlternateContent xmlns:mc="http://schemas.openxmlformats.org/markup-compatibility/2006">
+    <mc:Choice xmlns:p14="http://schemas.microsoft.com/office/powerpoint/2010/main" Requires="p14">
+      <p:transition spd="slow" p14:dur="800" advClick="0">
+        <p:fade/>
+      </p:transition>
+    </mc:Choice>
+    <mc:Fallback>
+      <p:transition xmlns:p14="http://schemas.microsoft.com/office/powerpoint/2010/main" spd="slow" advClick="0">
+        <p:fade/>
+      </p:transition>
+    </mc:Fallback>
+  </mc:AlternateContent>
   <p:timing>
     <p:tnLst>
       <p:par>
@@ -9953,1579 +10016,7 @@
   <p:clrMapOvr>
     <a:masterClrMapping/>
   </p:clrMapOvr>
-  <p:transition xmlns:p14="http://schemas.microsoft.com/office/powerpoint/2010/main" advTm="63748">
-    <p:fade thruBlk="1"/>
-  </p:transition>
-  <p:timing>
-    <p:tnLst>
-      <p:par>
-        <p:cTn xmlns:p14="http://schemas.microsoft.com/office/powerpoint/2010/main" id="1" dur="indefinite" restart="never" nodeType="tmRoot">
-          <p:childTnLst>
-            <p:seq concurrent="1" nextAc="seek">
-              <p:cTn id="2" dur="indefinite" nodeType="mainSeq">
-                <p:childTnLst>
-                  <p:par>
-                    <p:cTn id="3" fill="hold">
-                      <p:stCondLst>
-                        <p:cond delay="indefinite"/>
-                      </p:stCondLst>
-                      <p:childTnLst>
-                        <p:par>
-                          <p:cTn id="4" fill="hold">
-                            <p:stCondLst>
-                              <p:cond delay="0"/>
-                            </p:stCondLst>
-                            <p:childTnLst>
-                              <p:par>
-                                <p:cTn id="5" presetID="1" presetClass="entr" presetSubtype="0" fill="hold" grpId="0" nodeType="clickEffect">
-                                  <p:stCondLst>
-                                    <p:cond delay="0"/>
-                                  </p:stCondLst>
-                                  <p:childTnLst>
-                                    <p:set>
-                                      <p:cBhvr>
-                                        <p:cTn id="6" dur="1" fill="hold">
-                                          <p:stCondLst>
-                                            <p:cond delay="0"/>
-                                          </p:stCondLst>
-                                        </p:cTn>
-                                        <p:tgtEl>
-                                          <p:spTgt spid="24"/>
-                                        </p:tgtEl>
-                                        <p:attrNameLst>
-                                          <p:attrName>style.visibility</p:attrName>
-                                        </p:attrNameLst>
-                                      </p:cBhvr>
-                                      <p:to>
-                                        <p:strVal val="visible"/>
-                                      </p:to>
-                                    </p:set>
-                                  </p:childTnLst>
-                                </p:cTn>
-                              </p:par>
-                            </p:childTnLst>
-                          </p:cTn>
-                        </p:par>
-                        <p:par>
-                          <p:cTn id="7" fill="hold">
-                            <p:stCondLst>
-                              <p:cond delay="0"/>
-                            </p:stCondLst>
-                            <p:childTnLst>
-                              <p:par>
-                                <p:cTn id="8" presetID="22" presetClass="entr" presetSubtype="1" fill="hold" nodeType="afterEffect">
-                                  <p:stCondLst>
-                                    <p:cond delay="0"/>
-                                  </p:stCondLst>
-                                  <p:childTnLst>
-                                    <p:set>
-                                      <p:cBhvr>
-                                        <p:cTn id="9" dur="1" fill="hold">
-                                          <p:stCondLst>
-                                            <p:cond delay="0"/>
-                                          </p:stCondLst>
-                                        </p:cTn>
-                                        <p:tgtEl>
-                                          <p:spTgt spid="22"/>
-                                        </p:tgtEl>
-                                        <p:attrNameLst>
-                                          <p:attrName>style.visibility</p:attrName>
-                                        </p:attrNameLst>
-                                      </p:cBhvr>
-                                      <p:to>
-                                        <p:strVal val="visible"/>
-                                      </p:to>
-                                    </p:set>
-                                    <p:animEffect transition="in" filter="wipe(up)">
-                                      <p:cBhvr>
-                                        <p:cTn id="10" dur="500"/>
-                                        <p:tgtEl>
-                                          <p:spTgt spid="22"/>
-                                        </p:tgtEl>
-                                      </p:cBhvr>
-                                    </p:animEffect>
-                                  </p:childTnLst>
-                                </p:cTn>
-                              </p:par>
-                            </p:childTnLst>
-                          </p:cTn>
-                        </p:par>
-                      </p:childTnLst>
-                    </p:cTn>
-                  </p:par>
-                  <p:par>
-                    <p:cTn id="11" fill="hold">
-                      <p:stCondLst>
-                        <p:cond delay="indefinite"/>
-                      </p:stCondLst>
-                      <p:childTnLst>
-                        <p:par>
-                          <p:cTn id="12" fill="hold">
-                            <p:stCondLst>
-                              <p:cond delay="0"/>
-                            </p:stCondLst>
-                            <p:childTnLst>
-                              <p:par>
-                                <p:cTn id="13" presetID="15" presetClass="entr" presetSubtype="0" fill="hold" grpId="0" nodeType="clickEffect">
-                                  <p:stCondLst>
-                                    <p:cond delay="0"/>
-                                  </p:stCondLst>
-                                  <p:childTnLst>
-                                    <p:set>
-                                      <p:cBhvr>
-                                        <p:cTn id="14" dur="1" fill="hold">
-                                          <p:stCondLst>
-                                            <p:cond delay="0"/>
-                                          </p:stCondLst>
-                                        </p:cTn>
-                                        <p:tgtEl>
-                                          <p:spTgt spid="7"/>
-                                        </p:tgtEl>
-                                        <p:attrNameLst>
-                                          <p:attrName>style.visibility</p:attrName>
-                                        </p:attrNameLst>
-                                      </p:cBhvr>
-                                      <p:to>
-                                        <p:strVal val="visible"/>
-                                      </p:to>
-                                    </p:set>
-                                    <p:anim calcmode="lin" valueType="num">
-                                      <p:cBhvr>
-                                        <p:cTn id="15" dur="1000" fill="hold"/>
-                                        <p:tgtEl>
-                                          <p:spTgt spid="7"/>
-                                        </p:tgtEl>
-                                        <p:attrNameLst>
-                                          <p:attrName>ppt_w</p:attrName>
-                                        </p:attrNameLst>
-                                      </p:cBhvr>
-                                      <p:tavLst>
-                                        <p:tav tm="0">
-                                          <p:val>
-                                            <p:fltVal val="0"/>
-                                          </p:val>
-                                        </p:tav>
-                                        <p:tav tm="100000">
-                                          <p:val>
-                                            <p:strVal val="#ppt_w"/>
-                                          </p:val>
-                                        </p:tav>
-                                      </p:tavLst>
-                                    </p:anim>
-                                    <p:anim calcmode="lin" valueType="num">
-                                      <p:cBhvr>
-                                        <p:cTn id="16" dur="1000" fill="hold"/>
-                                        <p:tgtEl>
-                                          <p:spTgt spid="7"/>
-                                        </p:tgtEl>
-                                        <p:attrNameLst>
-                                          <p:attrName>ppt_h</p:attrName>
-                                        </p:attrNameLst>
-                                      </p:cBhvr>
-                                      <p:tavLst>
-                                        <p:tav tm="0">
-                                          <p:val>
-                                            <p:fltVal val="0"/>
-                                          </p:val>
-                                        </p:tav>
-                                        <p:tav tm="100000">
-                                          <p:val>
-                                            <p:strVal val="#ppt_h"/>
-                                          </p:val>
-                                        </p:tav>
-                                      </p:tavLst>
-                                    </p:anim>
-                                    <p:anim calcmode="lin" valueType="num">
-                                      <p:cBhvr>
-                                        <p:cTn id="17" dur="1000" fill="hold"/>
-                                        <p:tgtEl>
-                                          <p:spTgt spid="7"/>
-                                        </p:tgtEl>
-                                        <p:attrNameLst>
-                                          <p:attrName>ppt_x</p:attrName>
-                                        </p:attrNameLst>
-                                      </p:cBhvr>
-                                      <p:tavLst>
-                                        <p:tav tm="0" fmla="#ppt_x+(cos(-2*pi*(1-$))*-#ppt_x-sin(-2*pi*(1-$))*(1-#ppt_y))*(1-$)">
-                                          <p:val>
-                                            <p:fltVal val="0"/>
-                                          </p:val>
-                                        </p:tav>
-                                        <p:tav tm="100000">
-                                          <p:val>
-                                            <p:fltVal val="1"/>
-                                          </p:val>
-                                        </p:tav>
-                                      </p:tavLst>
-                                    </p:anim>
-                                    <p:anim calcmode="lin" valueType="num">
-                                      <p:cBhvr>
-                                        <p:cTn id="18" dur="1000" fill="hold"/>
-                                        <p:tgtEl>
-                                          <p:spTgt spid="7"/>
-                                        </p:tgtEl>
-                                        <p:attrNameLst>
-                                          <p:attrName>ppt_y</p:attrName>
-                                        </p:attrNameLst>
-                                      </p:cBhvr>
-                                      <p:tavLst>
-                                        <p:tav tm="0" fmla="#ppt_y+(sin(-2*pi*(1-$))*-#ppt_x+cos(-2*pi*(1-$))*(1-#ppt_y))*(1-$)">
-                                          <p:val>
-                                            <p:fltVal val="0"/>
-                                          </p:val>
-                                        </p:tav>
-                                        <p:tav tm="100000">
-                                          <p:val>
-                                            <p:fltVal val="1"/>
-                                          </p:val>
-                                        </p:tav>
-                                      </p:tavLst>
-                                    </p:anim>
-                                  </p:childTnLst>
-                                </p:cTn>
-                              </p:par>
-                            </p:childTnLst>
-                          </p:cTn>
-                        </p:par>
-                        <p:par>
-                          <p:cTn id="19" fill="hold">
-                            <p:stCondLst>
-                              <p:cond delay="1000"/>
-                            </p:stCondLst>
-                            <p:childTnLst>
-                              <p:par>
-                                <p:cTn id="20" presetID="10" presetClass="entr" presetSubtype="0" fill="hold" grpId="0" nodeType="afterEffect">
-                                  <p:stCondLst>
-                                    <p:cond delay="0"/>
-                                  </p:stCondLst>
-                                  <p:childTnLst>
-                                    <p:set>
-                                      <p:cBhvr>
-                                        <p:cTn id="21" dur="1" fill="hold">
-                                          <p:stCondLst>
-                                            <p:cond delay="0"/>
-                                          </p:stCondLst>
-                                        </p:cTn>
-                                        <p:tgtEl>
-                                          <p:spTgt spid="9"/>
-                                        </p:tgtEl>
-                                        <p:attrNameLst>
-                                          <p:attrName>style.visibility</p:attrName>
-                                        </p:attrNameLst>
-                                      </p:cBhvr>
-                                      <p:to>
-                                        <p:strVal val="visible"/>
-                                      </p:to>
-                                    </p:set>
-                                    <p:animEffect transition="in" filter="fade">
-                                      <p:cBhvr>
-                                        <p:cTn id="22" dur="500"/>
-                                        <p:tgtEl>
-                                          <p:spTgt spid="9"/>
-                                        </p:tgtEl>
-                                      </p:cBhvr>
-                                    </p:animEffect>
-                                  </p:childTnLst>
-                                </p:cTn>
-                              </p:par>
-                            </p:childTnLst>
-                          </p:cTn>
-                        </p:par>
-                      </p:childTnLst>
-                    </p:cTn>
-                  </p:par>
-                </p:childTnLst>
-              </p:cTn>
-              <p:prevCondLst>
-                <p:cond evt="onPrev" delay="0">
-                  <p:tgtEl>
-                    <p:sldTgt/>
-                  </p:tgtEl>
-                </p:cond>
-              </p:prevCondLst>
-              <p:nextCondLst>
-                <p:cond evt="onNext" delay="0">
-                  <p:tgtEl>
-                    <p:sldTgt/>
-                  </p:tgtEl>
-                </p:cond>
-              </p:nextCondLst>
-            </p:seq>
-          </p:childTnLst>
-        </p:cTn>
-      </p:par>
-    </p:tnLst>
-    <p:bldLst>
-      <p:bldP spid="24" grpId="0"/>
-      <p:bldP spid="7" grpId="0" animBg="1"/>
-      <p:bldP spid="9" grpId="0" animBg="1"/>
-    </p:bldLst>
-  </p:timing>
-</p:sld>
-</file>
-
-<file path=ppt/slides/slide6.xml><?xml version="1.0" encoding="utf-8"?>
-<p:sld xmlns:a="http://schemas.openxmlformats.org/drawingml/2006/main" xmlns:r="http://schemas.openxmlformats.org/officeDocument/2006/relationships" xmlns:p="http://schemas.openxmlformats.org/presentationml/2006/main">
-  <p:cSld>
-    <p:spTree>
-      <p:nvGrpSpPr>
-        <p:cNvPr id="1" name=""/>
-        <p:cNvGrpSpPr/>
-        <p:nvPr/>
-      </p:nvGrpSpPr>
-      <p:grpSpPr>
-        <a:xfrm>
-          <a:off x="0" y="0"/>
-          <a:ext cx="0" cy="0"/>
-          <a:chOff x="0" y="0"/>
-          <a:chExt cx="0" cy="0"/>
-        </a:xfrm>
-      </p:grpSpPr>
-      <p:sp>
-        <p:nvSpPr>
-          <p:cNvPr id="2" name="Title 1"/>
-          <p:cNvSpPr>
-            <a:spLocks noGrp="1"/>
-          </p:cNvSpPr>
-          <p:nvPr>
-            <p:ph type="title"/>
-          </p:nvPr>
-        </p:nvSpPr>
-        <p:spPr>
-          <a:xfrm>
-            <a:off x="1593850" y="208417"/>
-            <a:ext cx="6794500" cy="1003300"/>
-          </a:xfrm>
-        </p:spPr>
-        <p:txBody>
-          <a:bodyPr/>
-          <a:lstStyle/>
-          <a:p>
-            <a:r>
-              <a:rPr lang="en-US" sz="3600" dirty="0" smtClean="0"/>
-              <a:t>Definition of </a:t>
-            </a:r>
-            <a:r>
-              <a:rPr lang="en-US" sz="3600" dirty="0" smtClean="0">
-                <a:solidFill>
-                  <a:srgbClr val="0000FF"/>
-                </a:solidFill>
-              </a:rPr>
-              <a:t>XOR</a:t>
-            </a:r>
-            <a:endParaRPr lang="en-US" sz="3600" dirty="0">
-              <a:solidFill>
-                <a:srgbClr val="0000FF"/>
-              </a:solidFill>
-            </a:endParaRPr>
-          </a:p>
-        </p:txBody>
-      </p:sp>
-      <p:graphicFrame>
-        <p:nvGraphicFramePr>
-          <p:cNvPr id="22" name="Table 21"/>
-          <p:cNvGraphicFramePr>
-            <a:graphicFrameLocks noGrp="1"/>
-          </p:cNvGraphicFramePr>
-          <p:nvPr>
-            <p:extLst>
-              <p:ext uri="{D42A27DB-BD31-4B8C-83A1-F6EECF244321}">
-                <p14:modId xmlns:p14="http://schemas.microsoft.com/office/powerpoint/2010/main" val="423073004"/>
-              </p:ext>
-            </p:extLst>
-          </p:nvPr>
-        </p:nvGraphicFramePr>
-        <p:xfrm>
-          <a:off x="2471560" y="2850032"/>
-          <a:ext cx="4215831" cy="3505199"/>
-        </p:xfrm>
-        <a:graphic>
-          <a:graphicData uri="http://schemas.openxmlformats.org/drawingml/2006/table">
-            <a:tbl>
-              <a:tblPr firstRow="1" bandRow="1">
-                <a:tableStyleId>{7DF18680-E054-41AD-8BC1-D1AEF772440D}</a:tableStyleId>
-              </a:tblPr>
-              <a:tblGrid>
-                <a:gridCol w="1073000"/>
-                <a:gridCol w="1170696"/>
-                <a:gridCol w="1972135"/>
-              </a:tblGrid>
-              <a:tr h="685872">
-                <a:tc>
-                  <a:txBody>
-                    <a:bodyPr/>
-                    <a:lstStyle/>
-                    <a:p>
-                      <a:pPr algn="ctr"/>
-                      <a:r>
-                        <a:rPr lang="en-US" sz="2800" b="0" dirty="0" smtClean="0">
-                          <a:solidFill>
-                            <a:schemeClr val="tx1"/>
-                          </a:solidFill>
-                          <a:latin typeface="Comic Sans MS" pitchFamily="66" charset="0"/>
-                        </a:rPr>
-                        <a:t>P</a:t>
-                      </a:r>
-                      <a:endParaRPr lang="en-US" sz="2800" b="0" dirty="0">
-                        <a:solidFill>
-                          <a:schemeClr val="tx1"/>
-                        </a:solidFill>
-                        <a:latin typeface="Comic Sans MS" pitchFamily="66" charset="0"/>
-                      </a:endParaRPr>
-                    </a:p>
-                  </a:txBody>
-                  <a:tcPr marL="137160" marR="137160" marT="137160" marB="137160">
-                    <a:lnL w="12700" cap="flat" cmpd="sng" algn="ctr">
-                      <a:solidFill>
-                        <a:schemeClr val="tx1"/>
-                      </a:solidFill>
-                      <a:prstDash val="solid"/>
-                      <a:round/>
-                      <a:headEnd type="none" w="med" len="med"/>
-                      <a:tailEnd type="none" w="med" len="med"/>
-                    </a:lnL>
-                    <a:lnR w="12700" cap="flat" cmpd="sng" algn="ctr">
-                      <a:solidFill>
-                        <a:schemeClr val="tx1"/>
-                      </a:solidFill>
-                      <a:prstDash val="solid"/>
-                      <a:round/>
-                      <a:headEnd type="none" w="med" len="med"/>
-                      <a:tailEnd type="none" w="med" len="med"/>
-                    </a:lnR>
-                    <a:lnT w="12700" cap="flat" cmpd="sng" algn="ctr">
-                      <a:solidFill>
-                        <a:schemeClr val="tx1"/>
-                      </a:solidFill>
-                      <a:prstDash val="solid"/>
-                      <a:round/>
-                      <a:headEnd type="none" w="med" len="med"/>
-                      <a:tailEnd type="none" w="med" len="med"/>
-                    </a:lnT>
-                    <a:lnB w="12700" cap="flat" cmpd="sng" algn="ctr">
-                      <a:solidFill>
-                        <a:schemeClr val="tx1"/>
-                      </a:solidFill>
-                      <a:prstDash val="solid"/>
-                      <a:round/>
-                      <a:headEnd type="none" w="med" len="med"/>
-                      <a:tailEnd type="none" w="med" len="med"/>
-                    </a:lnB>
-                  </a:tcPr>
-                </a:tc>
-                <a:tc>
-                  <a:txBody>
-                    <a:bodyPr/>
-                    <a:lstStyle/>
-                    <a:p>
-                      <a:pPr algn="ctr"/>
-                      <a:r>
-                        <a:rPr lang="en-US" sz="2800" b="0" dirty="0" smtClean="0">
-                          <a:solidFill>
-                            <a:schemeClr val="tx1"/>
-                          </a:solidFill>
-                          <a:latin typeface="Comic Sans MS" pitchFamily="66" charset="0"/>
-                        </a:rPr>
-                        <a:t>Q</a:t>
-                      </a:r>
-                      <a:endParaRPr lang="en-US" sz="2800" b="0" dirty="0">
-                        <a:solidFill>
-                          <a:schemeClr val="tx1"/>
-                        </a:solidFill>
-                        <a:latin typeface="Comic Sans MS" pitchFamily="66" charset="0"/>
-                      </a:endParaRPr>
-                    </a:p>
-                  </a:txBody>
-                  <a:tcPr marL="137160" marR="137160" marT="137160" marB="137160">
-                    <a:lnL w="12700" cap="flat" cmpd="sng" algn="ctr">
-                      <a:solidFill>
-                        <a:schemeClr val="tx1"/>
-                      </a:solidFill>
-                      <a:prstDash val="solid"/>
-                      <a:round/>
-                      <a:headEnd type="none" w="med" len="med"/>
-                      <a:tailEnd type="none" w="med" len="med"/>
-                    </a:lnL>
-                    <a:lnR w="12700" cap="flat" cmpd="sng" algn="ctr">
-                      <a:solidFill>
-                        <a:schemeClr val="tx1"/>
-                      </a:solidFill>
-                      <a:prstDash val="solid"/>
-                      <a:round/>
-                      <a:headEnd type="none" w="med" len="med"/>
-                      <a:tailEnd type="none" w="med" len="med"/>
-                    </a:lnR>
-                    <a:lnT w="12700" cap="flat" cmpd="sng" algn="ctr">
-                      <a:solidFill>
-                        <a:schemeClr val="tx1"/>
-                      </a:solidFill>
-                      <a:prstDash val="solid"/>
-                      <a:round/>
-                      <a:headEnd type="none" w="med" len="med"/>
-                      <a:tailEnd type="none" w="med" len="med"/>
-                    </a:lnT>
-                    <a:lnB w="12700" cap="flat" cmpd="sng" algn="ctr">
-                      <a:solidFill>
-                        <a:schemeClr val="tx1"/>
-                      </a:solidFill>
-                      <a:prstDash val="solid"/>
-                      <a:round/>
-                      <a:headEnd type="none" w="med" len="med"/>
-                      <a:tailEnd type="none" w="med" len="med"/>
-                    </a:lnB>
-                  </a:tcPr>
-                </a:tc>
-                <a:tc>
-                  <a:txBody>
-                    <a:bodyPr/>
-                    <a:lstStyle/>
-                    <a:p>
-                      <a:pPr marL="0" marR="0" indent="0" algn="ctr" defTabSz="914400" rtl="0" eaLnBrk="1" fontAlgn="auto" latinLnBrk="0" hangingPunct="1">
-                        <a:lnSpc>
-                          <a:spcPct val="100000"/>
-                        </a:lnSpc>
-                        <a:spcBef>
-                          <a:spcPts val="0"/>
-                        </a:spcBef>
-                        <a:spcAft>
-                          <a:spcPts val="0"/>
-                        </a:spcAft>
-                        <a:buClrTx/>
-                        <a:buSzTx/>
-                        <a:buFontTx/>
-                        <a:buNone/>
-                        <a:tabLst/>
-                        <a:defRPr/>
-                      </a:pPr>
-                      <a:r>
-                        <a:rPr lang="en-US" sz="2800" b="0" dirty="0" smtClean="0">
-                          <a:solidFill>
-                            <a:schemeClr val="tx1"/>
-                          </a:solidFill>
-                          <a:latin typeface="Comic Sans MS" pitchFamily="66" charset="0"/>
-                        </a:rPr>
-                        <a:t>P </a:t>
-                      </a:r>
-                      <a:r>
-                        <a:rPr kumimoji="0" lang="en-US" sz="2400" b="1" i="0" u="none" strike="noStrike" kern="1200" cap="none" spc="0" normalizeH="0" baseline="0" noProof="0" dirty="0" smtClean="0">
-                          <a:ln>
-                            <a:noFill/>
-                          </a:ln>
-                          <a:solidFill>
-                            <a:srgbClr val="0000FF"/>
-                          </a:solidFill>
-                          <a:effectLst/>
-                          <a:uLnTx/>
-                          <a:uFillTx/>
-                          <a:latin typeface="Comic Sans MS" pitchFamily="66" charset="0"/>
-                          <a:ea typeface="+mn-ea"/>
-                          <a:cs typeface="+mn-cs"/>
-                        </a:rPr>
-                        <a:t>XOR </a:t>
-                      </a:r>
-                      <a:r>
-                        <a:rPr lang="en-US" sz="2800" b="0" baseline="0" dirty="0" smtClean="0">
-                          <a:solidFill>
-                            <a:schemeClr val="tx1"/>
-                          </a:solidFill>
-                          <a:latin typeface="Comic Sans MS" pitchFamily="66" charset="0"/>
-                        </a:rPr>
-                        <a:t>Q</a:t>
-                      </a:r>
-                      <a:endParaRPr lang="en-US" sz="2800" b="0" dirty="0">
-                        <a:solidFill>
-                          <a:schemeClr val="tx1"/>
-                        </a:solidFill>
-                        <a:latin typeface="Comic Sans MS" pitchFamily="66" charset="0"/>
-                      </a:endParaRPr>
-                    </a:p>
-                  </a:txBody>
-                  <a:tcPr marL="137160" marR="137160" marT="137160" marB="137160">
-                    <a:lnL w="12700" cap="flat" cmpd="sng" algn="ctr">
-                      <a:solidFill>
-                        <a:schemeClr val="tx1"/>
-                      </a:solidFill>
-                      <a:prstDash val="solid"/>
-                      <a:round/>
-                      <a:headEnd type="none" w="med" len="med"/>
-                      <a:tailEnd type="none" w="med" len="med"/>
-                    </a:lnL>
-                    <a:lnR w="12700" cap="flat" cmpd="sng" algn="ctr">
-                      <a:solidFill>
-                        <a:schemeClr val="tx1"/>
-                      </a:solidFill>
-                      <a:prstDash val="solid"/>
-                      <a:round/>
-                      <a:headEnd type="none" w="med" len="med"/>
-                      <a:tailEnd type="none" w="med" len="med"/>
-                    </a:lnR>
-                    <a:lnT w="12700" cap="flat" cmpd="sng" algn="ctr">
-                      <a:solidFill>
-                        <a:schemeClr val="tx1"/>
-                      </a:solidFill>
-                      <a:prstDash val="solid"/>
-                      <a:round/>
-                      <a:headEnd type="none" w="med" len="med"/>
-                      <a:tailEnd type="none" w="med" len="med"/>
-                    </a:lnT>
-                    <a:lnB w="12700" cap="flat" cmpd="sng" algn="ctr">
-                      <a:solidFill>
-                        <a:schemeClr val="tx1"/>
-                      </a:solidFill>
-                      <a:prstDash val="solid"/>
-                      <a:round/>
-                      <a:headEnd type="none" w="med" len="med"/>
-                      <a:tailEnd type="none" w="med" len="med"/>
-                    </a:lnB>
-                  </a:tcPr>
-                </a:tc>
-              </a:tr>
-              <a:tr h="675281">
-                <a:tc>
-                  <a:txBody>
-                    <a:bodyPr/>
-                    <a:lstStyle/>
-                    <a:p>
-                      <a:pPr algn="ctr"/>
-                      <a:r>
-                        <a:rPr lang="en-US" sz="2800" b="0" dirty="0" smtClean="0">
-                          <a:solidFill>
-                            <a:srgbClr val="008000"/>
-                          </a:solidFill>
-                          <a:latin typeface="Comic Sans MS" pitchFamily="66" charset="0"/>
-                        </a:rPr>
-                        <a:t>T</a:t>
-                      </a:r>
-                      <a:endParaRPr lang="en-US" sz="2800" b="0" dirty="0">
-                        <a:solidFill>
-                          <a:srgbClr val="008000"/>
-                        </a:solidFill>
-                        <a:latin typeface="Comic Sans MS" pitchFamily="66" charset="0"/>
-                      </a:endParaRPr>
-                    </a:p>
-                  </a:txBody>
-                  <a:tcPr marL="137160" marR="137160" marT="137160" marB="137160">
-                    <a:lnL w="12700" cap="flat" cmpd="sng" algn="ctr">
-                      <a:solidFill>
-                        <a:schemeClr val="tx1"/>
-                      </a:solidFill>
-                      <a:prstDash val="solid"/>
-                      <a:round/>
-                      <a:headEnd type="none" w="med" len="med"/>
-                      <a:tailEnd type="none" w="med" len="med"/>
-                    </a:lnL>
-                    <a:lnR w="12700" cap="flat" cmpd="sng" algn="ctr">
-                      <a:solidFill>
-                        <a:schemeClr val="tx1"/>
-                      </a:solidFill>
-                      <a:prstDash val="solid"/>
-                      <a:round/>
-                      <a:headEnd type="none" w="med" len="med"/>
-                      <a:tailEnd type="none" w="med" len="med"/>
-                    </a:lnR>
-                    <a:lnT w="12700" cap="flat" cmpd="sng" algn="ctr">
-                      <a:solidFill>
-                        <a:schemeClr val="tx1"/>
-                      </a:solidFill>
-                      <a:prstDash val="solid"/>
-                      <a:round/>
-                      <a:headEnd type="none" w="med" len="med"/>
-                      <a:tailEnd type="none" w="med" len="med"/>
-                    </a:lnT>
-                    <a:lnB w="12700" cap="flat" cmpd="sng" algn="ctr">
-                      <a:solidFill>
-                        <a:schemeClr val="tx1"/>
-                      </a:solidFill>
-                      <a:prstDash val="solid"/>
-                      <a:round/>
-                      <a:headEnd type="none" w="med" len="med"/>
-                      <a:tailEnd type="none" w="med" len="med"/>
-                    </a:lnB>
-                  </a:tcPr>
-                </a:tc>
-                <a:tc>
-                  <a:txBody>
-                    <a:bodyPr/>
-                    <a:lstStyle/>
-                    <a:p>
-                      <a:pPr algn="ctr"/>
-                      <a:r>
-                        <a:rPr lang="en-US" sz="2800" b="0" dirty="0" smtClean="0">
-                          <a:solidFill>
-                            <a:srgbClr val="008000"/>
-                          </a:solidFill>
-                          <a:latin typeface="Comic Sans MS" pitchFamily="66" charset="0"/>
-                        </a:rPr>
-                        <a:t>T</a:t>
-                      </a:r>
-                      <a:endParaRPr lang="en-US" sz="2800" b="0" dirty="0">
-                        <a:solidFill>
-                          <a:srgbClr val="008000"/>
-                        </a:solidFill>
-                        <a:latin typeface="Comic Sans MS" pitchFamily="66" charset="0"/>
-                      </a:endParaRPr>
-                    </a:p>
-                  </a:txBody>
-                  <a:tcPr marL="137160" marR="137160" marT="137160" marB="137160">
-                    <a:lnL w="12700" cap="flat" cmpd="sng" algn="ctr">
-                      <a:solidFill>
-                        <a:schemeClr val="tx1"/>
-                      </a:solidFill>
-                      <a:prstDash val="solid"/>
-                      <a:round/>
-                      <a:headEnd type="none" w="med" len="med"/>
-                      <a:tailEnd type="none" w="med" len="med"/>
-                    </a:lnL>
-                    <a:lnR w="12700" cap="flat" cmpd="sng" algn="ctr">
-                      <a:solidFill>
-                        <a:schemeClr val="tx1"/>
-                      </a:solidFill>
-                      <a:prstDash val="solid"/>
-                      <a:round/>
-                      <a:headEnd type="none" w="med" len="med"/>
-                      <a:tailEnd type="none" w="med" len="med"/>
-                    </a:lnR>
-                    <a:lnT w="12700" cap="flat" cmpd="sng" algn="ctr">
-                      <a:solidFill>
-                        <a:schemeClr val="tx1"/>
-                      </a:solidFill>
-                      <a:prstDash val="solid"/>
-                      <a:round/>
-                      <a:headEnd type="none" w="med" len="med"/>
-                      <a:tailEnd type="none" w="med" len="med"/>
-                    </a:lnT>
-                    <a:lnB w="12700" cap="flat" cmpd="sng" algn="ctr">
-                      <a:solidFill>
-                        <a:schemeClr val="tx1"/>
-                      </a:solidFill>
-                      <a:prstDash val="solid"/>
-                      <a:round/>
-                      <a:headEnd type="none" w="med" len="med"/>
-                      <a:tailEnd type="none" w="med" len="med"/>
-                    </a:lnB>
-                  </a:tcPr>
-                </a:tc>
-                <a:tc>
-                  <a:txBody>
-                    <a:bodyPr/>
-                    <a:lstStyle/>
-                    <a:p>
-                      <a:pPr algn="ctr"/>
-                      <a:r>
-                        <a:rPr lang="en-US" sz="2800" b="0" dirty="0" smtClean="0">
-                          <a:solidFill>
-                            <a:srgbClr val="FF0000"/>
-                          </a:solidFill>
-                          <a:latin typeface="Comic Sans MS" pitchFamily="66" charset="0"/>
-                        </a:rPr>
-                        <a:t>F</a:t>
-                      </a:r>
-                      <a:endParaRPr lang="en-US" sz="2800" b="0" dirty="0">
-                        <a:solidFill>
-                          <a:srgbClr val="FF0000"/>
-                        </a:solidFill>
-                        <a:latin typeface="Comic Sans MS" pitchFamily="66" charset="0"/>
-                      </a:endParaRPr>
-                    </a:p>
-                  </a:txBody>
-                  <a:tcPr marL="137160" marR="137160" marT="137160" marB="137160" anchor="ctr" anchorCtr="1">
-                    <a:lnL w="12700" cap="flat" cmpd="sng" algn="ctr">
-                      <a:solidFill>
-                        <a:schemeClr val="tx1"/>
-                      </a:solidFill>
-                      <a:prstDash val="solid"/>
-                      <a:round/>
-                      <a:headEnd type="none" w="med" len="med"/>
-                      <a:tailEnd type="none" w="med" len="med"/>
-                    </a:lnL>
-                    <a:lnR w="12700" cap="flat" cmpd="sng" algn="ctr">
-                      <a:solidFill>
-                        <a:schemeClr val="tx1"/>
-                      </a:solidFill>
-                      <a:prstDash val="solid"/>
-                      <a:round/>
-                      <a:headEnd type="none" w="med" len="med"/>
-                      <a:tailEnd type="none" w="med" len="med"/>
-                    </a:lnR>
-                    <a:lnT w="12700" cap="flat" cmpd="sng" algn="ctr">
-                      <a:solidFill>
-                        <a:schemeClr val="tx1"/>
-                      </a:solidFill>
-                      <a:prstDash val="solid"/>
-                      <a:round/>
-                      <a:headEnd type="none" w="med" len="med"/>
-                      <a:tailEnd type="none" w="med" len="med"/>
-                    </a:lnT>
-                    <a:lnB w="12700" cap="flat" cmpd="sng" algn="ctr">
-                      <a:solidFill>
-                        <a:schemeClr val="tx1"/>
-                      </a:solidFill>
-                      <a:prstDash val="solid"/>
-                      <a:round/>
-                      <a:headEnd type="none" w="med" len="med"/>
-                      <a:tailEnd type="none" w="med" len="med"/>
-                    </a:lnB>
-                    <a:solidFill>
-                      <a:schemeClr val="accent5">
-                        <a:tint val="40000"/>
-                      </a:schemeClr>
-                    </a:solidFill>
-                  </a:tcPr>
-                </a:tc>
-              </a:tr>
-              <a:tr h="675281">
-                <a:tc>
-                  <a:txBody>
-                    <a:bodyPr/>
-                    <a:lstStyle/>
-                    <a:p>
-                      <a:pPr algn="ctr"/>
-                      <a:r>
-                        <a:rPr lang="en-US" sz="2800" b="0" dirty="0" smtClean="0">
-                          <a:solidFill>
-                            <a:srgbClr val="008000"/>
-                          </a:solidFill>
-                          <a:latin typeface="Comic Sans MS" pitchFamily="66" charset="0"/>
-                        </a:rPr>
-                        <a:t>T</a:t>
-                      </a:r>
-                      <a:endParaRPr lang="en-US" sz="2800" b="0" dirty="0">
-                        <a:solidFill>
-                          <a:srgbClr val="008000"/>
-                        </a:solidFill>
-                        <a:latin typeface="Comic Sans MS" pitchFamily="66" charset="0"/>
-                      </a:endParaRPr>
-                    </a:p>
-                  </a:txBody>
-                  <a:tcPr marL="137160" marR="137160" marT="137160" marB="137160">
-                    <a:lnL w="12700" cap="flat" cmpd="sng" algn="ctr">
-                      <a:solidFill>
-                        <a:schemeClr val="tx1"/>
-                      </a:solidFill>
-                      <a:prstDash val="solid"/>
-                      <a:round/>
-                      <a:headEnd type="none" w="med" len="med"/>
-                      <a:tailEnd type="none" w="med" len="med"/>
-                    </a:lnL>
-                    <a:lnR w="12700" cap="flat" cmpd="sng" algn="ctr">
-                      <a:solidFill>
-                        <a:schemeClr val="tx1"/>
-                      </a:solidFill>
-                      <a:prstDash val="solid"/>
-                      <a:round/>
-                      <a:headEnd type="none" w="med" len="med"/>
-                      <a:tailEnd type="none" w="med" len="med"/>
-                    </a:lnR>
-                    <a:lnT w="12700" cap="flat" cmpd="sng" algn="ctr">
-                      <a:solidFill>
-                        <a:schemeClr val="tx1"/>
-                      </a:solidFill>
-                      <a:prstDash val="solid"/>
-                      <a:round/>
-                      <a:headEnd type="none" w="med" len="med"/>
-                      <a:tailEnd type="none" w="med" len="med"/>
-                    </a:lnT>
-                    <a:lnB w="12700" cap="flat" cmpd="sng" algn="ctr">
-                      <a:solidFill>
-                        <a:schemeClr val="tx1"/>
-                      </a:solidFill>
-                      <a:prstDash val="solid"/>
-                      <a:round/>
-                      <a:headEnd type="none" w="med" len="med"/>
-                      <a:tailEnd type="none" w="med" len="med"/>
-                    </a:lnB>
-                  </a:tcPr>
-                </a:tc>
-                <a:tc>
-                  <a:txBody>
-                    <a:bodyPr/>
-                    <a:lstStyle/>
-                    <a:p>
-                      <a:pPr algn="ctr"/>
-                      <a:r>
-                        <a:rPr lang="en-US" sz="2800" b="0" dirty="0" smtClean="0">
-                          <a:solidFill>
-                            <a:srgbClr val="C00000"/>
-                          </a:solidFill>
-                          <a:latin typeface="Comic Sans MS" pitchFamily="66" charset="0"/>
-                        </a:rPr>
-                        <a:t>F</a:t>
-                      </a:r>
-                      <a:endParaRPr lang="en-US" sz="2800" b="0" dirty="0">
-                        <a:solidFill>
-                          <a:srgbClr val="C00000"/>
-                        </a:solidFill>
-                        <a:latin typeface="Comic Sans MS" pitchFamily="66" charset="0"/>
-                      </a:endParaRPr>
-                    </a:p>
-                  </a:txBody>
-                  <a:tcPr marL="137160" marR="137160" marT="137160" marB="137160">
-                    <a:lnL w="12700" cap="flat" cmpd="sng" algn="ctr">
-                      <a:solidFill>
-                        <a:schemeClr val="tx1"/>
-                      </a:solidFill>
-                      <a:prstDash val="solid"/>
-                      <a:round/>
-                      <a:headEnd type="none" w="med" len="med"/>
-                      <a:tailEnd type="none" w="med" len="med"/>
-                    </a:lnL>
-                    <a:lnR w="12700" cap="flat" cmpd="sng" algn="ctr">
-                      <a:solidFill>
-                        <a:schemeClr val="tx1"/>
-                      </a:solidFill>
-                      <a:prstDash val="solid"/>
-                      <a:round/>
-                      <a:headEnd type="none" w="med" len="med"/>
-                      <a:tailEnd type="none" w="med" len="med"/>
-                    </a:lnR>
-                    <a:lnT w="12700" cap="flat" cmpd="sng" algn="ctr">
-                      <a:solidFill>
-                        <a:schemeClr val="tx1"/>
-                      </a:solidFill>
-                      <a:prstDash val="solid"/>
-                      <a:round/>
-                      <a:headEnd type="none" w="med" len="med"/>
-                      <a:tailEnd type="none" w="med" len="med"/>
-                    </a:lnT>
-                    <a:lnB w="12700" cap="flat" cmpd="sng" algn="ctr">
-                      <a:solidFill>
-                        <a:schemeClr val="tx1"/>
-                      </a:solidFill>
-                      <a:prstDash val="solid"/>
-                      <a:round/>
-                      <a:headEnd type="none" w="med" len="med"/>
-                      <a:tailEnd type="none" w="med" len="med"/>
-                    </a:lnB>
-                  </a:tcPr>
-                </a:tc>
-                <a:tc>
-                  <a:txBody>
-                    <a:bodyPr/>
-                    <a:lstStyle/>
-                    <a:p>
-                      <a:pPr algn="ctr"/>
-                      <a:r>
-                        <a:rPr lang="en-US" sz="2800" b="0" dirty="0" smtClean="0">
-                          <a:solidFill>
-                            <a:srgbClr val="008000"/>
-                          </a:solidFill>
-                          <a:latin typeface="Comic Sans MS" pitchFamily="66" charset="0"/>
-                        </a:rPr>
-                        <a:t>T</a:t>
-                      </a:r>
-                      <a:endParaRPr lang="en-US" sz="2800" b="0" dirty="0">
-                        <a:solidFill>
-                          <a:srgbClr val="008000"/>
-                        </a:solidFill>
-                        <a:latin typeface="Comic Sans MS" pitchFamily="66" charset="0"/>
-                      </a:endParaRPr>
-                    </a:p>
-                  </a:txBody>
-                  <a:tcPr marL="137160" marR="137160" marT="137160" marB="137160">
-                    <a:lnL w="12700" cap="flat" cmpd="sng" algn="ctr">
-                      <a:solidFill>
-                        <a:schemeClr val="tx1"/>
-                      </a:solidFill>
-                      <a:prstDash val="solid"/>
-                      <a:round/>
-                      <a:headEnd type="none" w="med" len="med"/>
-                      <a:tailEnd type="none" w="med" len="med"/>
-                    </a:lnL>
-                    <a:lnR w="12700" cap="flat" cmpd="sng" algn="ctr">
-                      <a:solidFill>
-                        <a:schemeClr val="tx1"/>
-                      </a:solidFill>
-                      <a:prstDash val="solid"/>
-                      <a:round/>
-                      <a:headEnd type="none" w="med" len="med"/>
-                      <a:tailEnd type="none" w="med" len="med"/>
-                    </a:lnR>
-                    <a:lnT w="12700" cap="flat" cmpd="sng" algn="ctr">
-                      <a:solidFill>
-                        <a:schemeClr val="tx1"/>
-                      </a:solidFill>
-                      <a:prstDash val="solid"/>
-                      <a:round/>
-                      <a:headEnd type="none" w="med" len="med"/>
-                      <a:tailEnd type="none" w="med" len="med"/>
-                    </a:lnT>
-                    <a:lnB w="12700" cap="flat" cmpd="sng" algn="ctr">
-                      <a:solidFill>
-                        <a:schemeClr val="tx1"/>
-                      </a:solidFill>
-                      <a:prstDash val="solid"/>
-                      <a:round/>
-                      <a:headEnd type="none" w="med" len="med"/>
-                      <a:tailEnd type="none" w="med" len="med"/>
-                    </a:lnB>
-                  </a:tcPr>
-                </a:tc>
-              </a:tr>
-              <a:tr h="675281">
-                <a:tc>
-                  <a:txBody>
-                    <a:bodyPr/>
-                    <a:lstStyle/>
-                    <a:p>
-                      <a:pPr algn="ctr"/>
-                      <a:r>
-                        <a:rPr lang="en-US" sz="2800" b="0" dirty="0" smtClean="0">
-                          <a:solidFill>
-                            <a:srgbClr val="C00000"/>
-                          </a:solidFill>
-                          <a:latin typeface="Comic Sans MS" pitchFamily="66" charset="0"/>
-                        </a:rPr>
-                        <a:t>F</a:t>
-                      </a:r>
-                      <a:endParaRPr lang="en-US" sz="2800" b="0" dirty="0">
-                        <a:solidFill>
-                          <a:srgbClr val="C00000"/>
-                        </a:solidFill>
-                        <a:latin typeface="Comic Sans MS" pitchFamily="66" charset="0"/>
-                      </a:endParaRPr>
-                    </a:p>
-                  </a:txBody>
-                  <a:tcPr marL="137160" marR="137160" marT="137160" marB="137160">
-                    <a:lnL w="12700" cap="flat" cmpd="sng" algn="ctr">
-                      <a:solidFill>
-                        <a:schemeClr val="tx1"/>
-                      </a:solidFill>
-                      <a:prstDash val="solid"/>
-                      <a:round/>
-                      <a:headEnd type="none" w="med" len="med"/>
-                      <a:tailEnd type="none" w="med" len="med"/>
-                    </a:lnL>
-                    <a:lnR w="12700" cap="flat" cmpd="sng" algn="ctr">
-                      <a:solidFill>
-                        <a:schemeClr val="tx1"/>
-                      </a:solidFill>
-                      <a:prstDash val="solid"/>
-                      <a:round/>
-                      <a:headEnd type="none" w="med" len="med"/>
-                      <a:tailEnd type="none" w="med" len="med"/>
-                    </a:lnR>
-                    <a:lnT w="12700" cap="flat" cmpd="sng" algn="ctr">
-                      <a:solidFill>
-                        <a:schemeClr val="tx1"/>
-                      </a:solidFill>
-                      <a:prstDash val="solid"/>
-                      <a:round/>
-                      <a:headEnd type="none" w="med" len="med"/>
-                      <a:tailEnd type="none" w="med" len="med"/>
-                    </a:lnT>
-                    <a:lnB w="12700" cap="flat" cmpd="sng" algn="ctr">
-                      <a:solidFill>
-                        <a:schemeClr val="tx1"/>
-                      </a:solidFill>
-                      <a:prstDash val="solid"/>
-                      <a:round/>
-                      <a:headEnd type="none" w="med" len="med"/>
-                      <a:tailEnd type="none" w="med" len="med"/>
-                    </a:lnB>
-                  </a:tcPr>
-                </a:tc>
-                <a:tc>
-                  <a:txBody>
-                    <a:bodyPr/>
-                    <a:lstStyle/>
-                    <a:p>
-                      <a:pPr algn="ctr"/>
-                      <a:r>
-                        <a:rPr lang="en-US" sz="2800" b="0" dirty="0" smtClean="0">
-                          <a:solidFill>
-                            <a:srgbClr val="008000"/>
-                          </a:solidFill>
-                          <a:latin typeface="Comic Sans MS" pitchFamily="66" charset="0"/>
-                        </a:rPr>
-                        <a:t>T</a:t>
-                      </a:r>
-                      <a:endParaRPr lang="en-US" sz="2800" b="0" dirty="0">
-                        <a:solidFill>
-                          <a:srgbClr val="008000"/>
-                        </a:solidFill>
-                        <a:latin typeface="Comic Sans MS" pitchFamily="66" charset="0"/>
-                      </a:endParaRPr>
-                    </a:p>
-                  </a:txBody>
-                  <a:tcPr marL="137160" marR="137160" marT="137160" marB="137160">
-                    <a:lnL w="12700" cap="flat" cmpd="sng" algn="ctr">
-                      <a:solidFill>
-                        <a:schemeClr val="tx1"/>
-                      </a:solidFill>
-                      <a:prstDash val="solid"/>
-                      <a:round/>
-                      <a:headEnd type="none" w="med" len="med"/>
-                      <a:tailEnd type="none" w="med" len="med"/>
-                    </a:lnL>
-                    <a:lnR w="12700" cap="flat" cmpd="sng" algn="ctr">
-                      <a:solidFill>
-                        <a:schemeClr val="tx1"/>
-                      </a:solidFill>
-                      <a:prstDash val="solid"/>
-                      <a:round/>
-                      <a:headEnd type="none" w="med" len="med"/>
-                      <a:tailEnd type="none" w="med" len="med"/>
-                    </a:lnR>
-                    <a:lnT w="12700" cap="flat" cmpd="sng" algn="ctr">
-                      <a:solidFill>
-                        <a:schemeClr val="tx1"/>
-                      </a:solidFill>
-                      <a:prstDash val="solid"/>
-                      <a:round/>
-                      <a:headEnd type="none" w="med" len="med"/>
-                      <a:tailEnd type="none" w="med" len="med"/>
-                    </a:lnT>
-                    <a:lnB w="12700" cap="flat" cmpd="sng" algn="ctr">
-                      <a:solidFill>
-                        <a:schemeClr val="tx1"/>
-                      </a:solidFill>
-                      <a:prstDash val="solid"/>
-                      <a:round/>
-                      <a:headEnd type="none" w="med" len="med"/>
-                      <a:tailEnd type="none" w="med" len="med"/>
-                    </a:lnB>
-                  </a:tcPr>
-                </a:tc>
-                <a:tc>
-                  <a:txBody>
-                    <a:bodyPr/>
-                    <a:lstStyle/>
-                    <a:p>
-                      <a:pPr algn="ctr"/>
-                      <a:r>
-                        <a:rPr lang="en-US" sz="2800" b="0" dirty="0" smtClean="0">
-                          <a:solidFill>
-                            <a:srgbClr val="008000"/>
-                          </a:solidFill>
-                          <a:latin typeface="Comic Sans MS" pitchFamily="66" charset="0"/>
-                        </a:rPr>
-                        <a:t>T</a:t>
-                      </a:r>
-                      <a:endParaRPr lang="en-US" sz="2800" b="0" dirty="0">
-                        <a:solidFill>
-                          <a:srgbClr val="008000"/>
-                        </a:solidFill>
-                        <a:latin typeface="Comic Sans MS" pitchFamily="66" charset="0"/>
-                      </a:endParaRPr>
-                    </a:p>
-                  </a:txBody>
-                  <a:tcPr marL="137160" marR="137160" marT="137160" marB="137160">
-                    <a:lnL w="12700" cap="flat" cmpd="sng" algn="ctr">
-                      <a:solidFill>
-                        <a:schemeClr val="tx1"/>
-                      </a:solidFill>
-                      <a:prstDash val="solid"/>
-                      <a:round/>
-                      <a:headEnd type="none" w="med" len="med"/>
-                      <a:tailEnd type="none" w="med" len="med"/>
-                    </a:lnL>
-                    <a:lnR w="12700" cap="flat" cmpd="sng" algn="ctr">
-                      <a:solidFill>
-                        <a:schemeClr val="tx1"/>
-                      </a:solidFill>
-                      <a:prstDash val="solid"/>
-                      <a:round/>
-                      <a:headEnd type="none" w="med" len="med"/>
-                      <a:tailEnd type="none" w="med" len="med"/>
-                    </a:lnR>
-                    <a:lnT w="12700" cap="flat" cmpd="sng" algn="ctr">
-                      <a:solidFill>
-                        <a:schemeClr val="tx1"/>
-                      </a:solidFill>
-                      <a:prstDash val="solid"/>
-                      <a:round/>
-                      <a:headEnd type="none" w="med" len="med"/>
-                      <a:tailEnd type="none" w="med" len="med"/>
-                    </a:lnT>
-                    <a:lnB w="12700" cap="flat" cmpd="sng" algn="ctr">
-                      <a:solidFill>
-                        <a:schemeClr val="tx1"/>
-                      </a:solidFill>
-                      <a:prstDash val="solid"/>
-                      <a:round/>
-                      <a:headEnd type="none" w="med" len="med"/>
-                      <a:tailEnd type="none" w="med" len="med"/>
-                    </a:lnB>
-                  </a:tcPr>
-                </a:tc>
-              </a:tr>
-              <a:tr h="675281">
-                <a:tc>
-                  <a:txBody>
-                    <a:bodyPr/>
-                    <a:lstStyle/>
-                    <a:p>
-                      <a:pPr algn="ctr"/>
-                      <a:r>
-                        <a:rPr lang="en-US" sz="2800" b="0" dirty="0" smtClean="0">
-                          <a:solidFill>
-                            <a:srgbClr val="C00000"/>
-                          </a:solidFill>
-                          <a:latin typeface="Comic Sans MS" pitchFamily="66" charset="0"/>
-                        </a:rPr>
-                        <a:t>F</a:t>
-                      </a:r>
-                      <a:endParaRPr lang="en-US" sz="2800" b="0" dirty="0">
-                        <a:solidFill>
-                          <a:srgbClr val="C00000"/>
-                        </a:solidFill>
-                        <a:latin typeface="Comic Sans MS" pitchFamily="66" charset="0"/>
-                      </a:endParaRPr>
-                    </a:p>
-                  </a:txBody>
-                  <a:tcPr marL="137160" marR="137160" marT="137160" marB="137160">
-                    <a:lnL w="12700" cap="flat" cmpd="sng" algn="ctr">
-                      <a:solidFill>
-                        <a:schemeClr val="tx1"/>
-                      </a:solidFill>
-                      <a:prstDash val="solid"/>
-                      <a:round/>
-                      <a:headEnd type="none" w="med" len="med"/>
-                      <a:tailEnd type="none" w="med" len="med"/>
-                    </a:lnL>
-                    <a:lnR w="12700" cap="flat" cmpd="sng" algn="ctr">
-                      <a:solidFill>
-                        <a:schemeClr val="tx1"/>
-                      </a:solidFill>
-                      <a:prstDash val="solid"/>
-                      <a:round/>
-                      <a:headEnd type="none" w="med" len="med"/>
-                      <a:tailEnd type="none" w="med" len="med"/>
-                    </a:lnR>
-                    <a:lnT w="12700" cap="flat" cmpd="sng" algn="ctr">
-                      <a:solidFill>
-                        <a:schemeClr val="tx1"/>
-                      </a:solidFill>
-                      <a:prstDash val="solid"/>
-                      <a:round/>
-                      <a:headEnd type="none" w="med" len="med"/>
-                      <a:tailEnd type="none" w="med" len="med"/>
-                    </a:lnT>
-                    <a:lnB w="12700" cap="flat" cmpd="sng" algn="ctr">
-                      <a:solidFill>
-                        <a:schemeClr val="tx1"/>
-                      </a:solidFill>
-                      <a:prstDash val="solid"/>
-                      <a:round/>
-                      <a:headEnd type="none" w="med" len="med"/>
-                      <a:tailEnd type="none" w="med" len="med"/>
-                    </a:lnB>
-                  </a:tcPr>
-                </a:tc>
-                <a:tc>
-                  <a:txBody>
-                    <a:bodyPr/>
-                    <a:lstStyle/>
-                    <a:p>
-                      <a:pPr algn="ctr"/>
-                      <a:r>
-                        <a:rPr lang="en-US" sz="2800" b="0" dirty="0" smtClean="0">
-                          <a:solidFill>
-                            <a:srgbClr val="C00000"/>
-                          </a:solidFill>
-                          <a:latin typeface="Comic Sans MS" pitchFamily="66" charset="0"/>
-                        </a:rPr>
-                        <a:t>F</a:t>
-                      </a:r>
-                      <a:endParaRPr lang="en-US" sz="2800" b="0" dirty="0">
-                        <a:solidFill>
-                          <a:srgbClr val="C00000"/>
-                        </a:solidFill>
-                        <a:latin typeface="Comic Sans MS" pitchFamily="66" charset="0"/>
-                      </a:endParaRPr>
-                    </a:p>
-                  </a:txBody>
-                  <a:tcPr marL="137160" marR="137160" marT="137160" marB="137160">
-                    <a:lnL w="12700" cap="flat" cmpd="sng" algn="ctr">
-                      <a:solidFill>
-                        <a:schemeClr val="tx1"/>
-                      </a:solidFill>
-                      <a:prstDash val="solid"/>
-                      <a:round/>
-                      <a:headEnd type="none" w="med" len="med"/>
-                      <a:tailEnd type="none" w="med" len="med"/>
-                    </a:lnL>
-                    <a:lnR w="12700" cap="flat" cmpd="sng" algn="ctr">
-                      <a:solidFill>
-                        <a:schemeClr val="tx1"/>
-                      </a:solidFill>
-                      <a:prstDash val="solid"/>
-                      <a:round/>
-                      <a:headEnd type="none" w="med" len="med"/>
-                      <a:tailEnd type="none" w="med" len="med"/>
-                    </a:lnR>
-                    <a:lnT w="12700" cap="flat" cmpd="sng" algn="ctr">
-                      <a:solidFill>
-                        <a:schemeClr val="tx1"/>
-                      </a:solidFill>
-                      <a:prstDash val="solid"/>
-                      <a:round/>
-                      <a:headEnd type="none" w="med" len="med"/>
-                      <a:tailEnd type="none" w="med" len="med"/>
-                    </a:lnT>
-                    <a:lnB w="12700" cap="flat" cmpd="sng" algn="ctr">
-                      <a:solidFill>
-                        <a:schemeClr val="tx1"/>
-                      </a:solidFill>
-                      <a:prstDash val="solid"/>
-                      <a:round/>
-                      <a:headEnd type="none" w="med" len="med"/>
-                      <a:tailEnd type="none" w="med" len="med"/>
-                    </a:lnB>
-                  </a:tcPr>
-                </a:tc>
-                <a:tc>
-                  <a:txBody>
-                    <a:bodyPr/>
-                    <a:lstStyle/>
-                    <a:p>
-                      <a:pPr algn="ctr"/>
-                      <a:r>
-                        <a:rPr lang="en-US" sz="2800" b="0" dirty="0" smtClean="0">
-                          <a:solidFill>
-                            <a:srgbClr val="C00000"/>
-                          </a:solidFill>
-                          <a:latin typeface="Comic Sans MS" pitchFamily="66" charset="0"/>
-                        </a:rPr>
-                        <a:t>F</a:t>
-                      </a:r>
-                      <a:endParaRPr lang="en-US" sz="2800" b="0" dirty="0">
-                        <a:solidFill>
-                          <a:srgbClr val="C00000"/>
-                        </a:solidFill>
-                        <a:latin typeface="Comic Sans MS" pitchFamily="66" charset="0"/>
-                      </a:endParaRPr>
-                    </a:p>
-                  </a:txBody>
-                  <a:tcPr marL="137160" marR="137160" marT="137160" marB="137160">
-                    <a:lnL w="12700" cap="flat" cmpd="sng" algn="ctr">
-                      <a:solidFill>
-                        <a:schemeClr val="tx1"/>
-                      </a:solidFill>
-                      <a:prstDash val="solid"/>
-                      <a:round/>
-                      <a:headEnd type="none" w="med" len="med"/>
-                      <a:tailEnd type="none" w="med" len="med"/>
-                    </a:lnL>
-                    <a:lnR w="12700" cap="flat" cmpd="sng" algn="ctr">
-                      <a:solidFill>
-                        <a:schemeClr val="tx1"/>
-                      </a:solidFill>
-                      <a:prstDash val="solid"/>
-                      <a:round/>
-                      <a:headEnd type="none" w="med" len="med"/>
-                      <a:tailEnd type="none" w="med" len="med"/>
-                    </a:lnR>
-                    <a:lnT w="12700" cap="flat" cmpd="sng" algn="ctr">
-                      <a:solidFill>
-                        <a:schemeClr val="tx1"/>
-                      </a:solidFill>
-                      <a:prstDash val="solid"/>
-                      <a:round/>
-                      <a:headEnd type="none" w="med" len="med"/>
-                      <a:tailEnd type="none" w="med" len="med"/>
-                    </a:lnT>
-                    <a:lnB w="12700" cap="flat" cmpd="sng" algn="ctr">
-                      <a:solidFill>
-                        <a:schemeClr val="tx1"/>
-                      </a:solidFill>
-                      <a:prstDash val="solid"/>
-                      <a:round/>
-                      <a:headEnd type="none" w="med" len="med"/>
-                      <a:tailEnd type="none" w="med" len="med"/>
-                    </a:lnB>
-                  </a:tcPr>
-                </a:tc>
-              </a:tr>
-            </a:tbl>
-          </a:graphicData>
-        </a:graphic>
-      </p:graphicFrame>
-      <p:sp>
-        <p:nvSpPr>
-          <p:cNvPr id="23" name="TextBox 22"/>
-          <p:cNvSpPr txBox="1"/>
-          <p:nvPr/>
-        </p:nvSpPr>
-        <p:spPr>
-          <a:xfrm>
-            <a:off x="1378657" y="1132116"/>
-            <a:ext cx="6179897" cy="1077218"/>
-          </a:xfrm>
-          <a:prstGeom prst="rect">
-            <a:avLst/>
-          </a:prstGeom>
-          <a:noFill/>
-        </p:spPr>
-        <p:txBody>
-          <a:bodyPr wrap="none" rtlCol="0">
-            <a:spAutoFit/>
-          </a:bodyPr>
-          <a:lstStyle/>
-          <a:p>
-            <a:r>
-              <a:rPr lang="en-US" sz="3200" dirty="0" smtClean="0">
-                <a:latin typeface="Comic Sans MS" pitchFamily="66" charset="0"/>
-              </a:rPr>
-              <a:t>The value of (P </a:t>
-            </a:r>
-            <a:r>
-              <a:rPr lang="en-US" sz="2800" dirty="0" smtClean="0">
-                <a:solidFill>
-                  <a:srgbClr val="0000FF"/>
-                </a:solidFill>
-                <a:latin typeface="Comic Sans MS" pitchFamily="66" charset="0"/>
-              </a:rPr>
-              <a:t>XOR</a:t>
-            </a:r>
-            <a:r>
-              <a:rPr lang="en-US" sz="3200" dirty="0" smtClean="0">
-                <a:latin typeface="Comic Sans MS" pitchFamily="66" charset="0"/>
-              </a:rPr>
-              <a:t> Q) is </a:t>
-            </a:r>
-            <a:r>
-              <a:rPr lang="en-US" sz="3200" dirty="0" smtClean="0">
-                <a:solidFill>
-                  <a:srgbClr val="008000"/>
-                </a:solidFill>
-                <a:latin typeface="Comic Sans MS" pitchFamily="66" charset="0"/>
-              </a:rPr>
-              <a:t>T</a:t>
-            </a:r>
-            <a:r>
-              <a:rPr lang="en-US" sz="3200" dirty="0" smtClean="0">
-                <a:latin typeface="Comic Sans MS" pitchFamily="66" charset="0"/>
-              </a:rPr>
-              <a:t> </a:t>
-            </a:r>
-            <a:r>
-              <a:rPr lang="en-US" sz="3200" dirty="0" err="1" smtClean="0">
-                <a:latin typeface="Comic Sans MS" pitchFamily="66" charset="0"/>
-              </a:rPr>
-              <a:t>iff</a:t>
-            </a:r>
-            <a:endParaRPr lang="en-US" sz="3200" dirty="0" smtClean="0">
-              <a:latin typeface="Comic Sans MS" pitchFamily="66" charset="0"/>
-            </a:endParaRPr>
-          </a:p>
-          <a:p>
-            <a:r>
-              <a:rPr lang="en-US" sz="3200" dirty="0" smtClean="0">
-                <a:latin typeface="Comic Sans MS" pitchFamily="66" charset="0"/>
-              </a:rPr>
-              <a:t>  </a:t>
-            </a:r>
-            <a:r>
-              <a:rPr lang="en-US" sz="3200" i="1" dirty="0" smtClean="0">
-                <a:latin typeface="Comic Sans MS" pitchFamily="66" charset="0"/>
-              </a:rPr>
-              <a:t>exactly</a:t>
-            </a:r>
-            <a:r>
-              <a:rPr lang="en-US" sz="3200" dirty="0" smtClean="0">
-                <a:latin typeface="Comic Sans MS" pitchFamily="66" charset="0"/>
-              </a:rPr>
-              <a:t> one of P and Q is </a:t>
-            </a:r>
-            <a:r>
-              <a:rPr lang="en-US" sz="3200" dirty="0" smtClean="0">
-                <a:solidFill>
-                  <a:srgbClr val="008000"/>
-                </a:solidFill>
-                <a:latin typeface="Comic Sans MS" pitchFamily="66" charset="0"/>
-              </a:rPr>
-              <a:t>T.</a:t>
-            </a:r>
-            <a:endParaRPr lang="en-US" sz="3200" dirty="0">
-              <a:latin typeface="Comic Sans MS" pitchFamily="66" charset="0"/>
-            </a:endParaRPr>
-          </a:p>
-        </p:txBody>
-      </p:sp>
-      <p:sp>
-        <p:nvSpPr>
-          <p:cNvPr id="24" name="TextBox 23"/>
-          <p:cNvSpPr txBox="1"/>
-          <p:nvPr/>
-        </p:nvSpPr>
-        <p:spPr>
-          <a:xfrm>
-            <a:off x="2616176" y="2212521"/>
-            <a:ext cx="4248278" cy="584775"/>
-          </a:xfrm>
-          <a:prstGeom prst="rect">
-            <a:avLst/>
-          </a:prstGeom>
-          <a:noFill/>
-        </p:spPr>
-        <p:txBody>
-          <a:bodyPr wrap="none" rtlCol="0">
-            <a:spAutoFit/>
-          </a:bodyPr>
-          <a:lstStyle/>
-          <a:p>
-            <a:r>
-              <a:rPr lang="en-US" dirty="0" smtClean="0">
-                <a:latin typeface="Comic Sans MS" pitchFamily="66" charset="0"/>
-              </a:rPr>
-              <a:t>Truth Table for</a:t>
-            </a:r>
-            <a:r>
-              <a:rPr lang="en-US" dirty="0" smtClean="0">
-                <a:solidFill>
-                  <a:srgbClr val="0000FF"/>
-                </a:solidFill>
-                <a:latin typeface="Comic Sans MS" pitchFamily="66" charset="0"/>
-              </a:rPr>
-              <a:t> XOR</a:t>
-            </a:r>
-            <a:endParaRPr lang="en-US" dirty="0">
-              <a:latin typeface="Comic Sans MS" pitchFamily="66" charset="0"/>
-            </a:endParaRPr>
-          </a:p>
-        </p:txBody>
-      </p:sp>
-      <p:sp>
-        <p:nvSpPr>
-          <p:cNvPr id="8" name="Slide Number Placeholder 2"/>
-          <p:cNvSpPr>
-            <a:spLocks noGrp="1"/>
-          </p:cNvSpPr>
-          <p:nvPr>
-            <p:ph type="sldNum" sz="quarter" idx="10"/>
-          </p:nvPr>
-        </p:nvSpPr>
-        <p:spPr>
-          <a:xfrm>
-            <a:off x="7407678" y="6553200"/>
-            <a:ext cx="1736323" cy="276999"/>
-          </a:xfrm>
-          <a:noFill/>
-        </p:spPr>
-        <p:txBody>
-          <a:bodyPr/>
-          <a:lstStyle/>
-          <a:p>
-            <a:r>
-              <a:rPr lang="en-US" dirty="0" smtClean="0"/>
-              <a:t>propositional logic I.</a:t>
-            </a:r>
-            <a:fld id="{0150943C-9303-41DF-A6FA-7E32D6C5D18E}" type="slidenum">
-              <a:rPr lang="en-US" smtClean="0"/>
-              <a:pPr/>
-              <a:t>6</a:t>
-            </a:fld>
-            <a:endParaRPr lang="en-US" dirty="0" smtClean="0"/>
-          </a:p>
-        </p:txBody>
-      </p:sp>
-    </p:spTree>
-  </p:cSld>
-  <p:clrMapOvr>
-    <a:masterClrMapping/>
-  </p:clrMapOvr>
-  <p:transition xmlns:p14="http://schemas.microsoft.com/office/powerpoint/2010/main">
+  <p:transition xmlns:p14="http://schemas.microsoft.com/office/powerpoint/2010/main" spd="slow" advClick="0">
     <p:fade thruBlk="1"/>
   </p:transition>
   <p:timing>
@@ -11618,7 +10109,1596 @@
                                     </p:set>
                                     <p:animEffect transition="in" filter="wipe(up)">
                                       <p:cBhvr>
-                                        <p:cTn id="11" dur="500"/>
+                                        <p:cTn id="11" dur="1000"/>
+                                        <p:tgtEl>
+                                          <p:spTgt spid="22"/>
+                                        </p:tgtEl>
+                                      </p:cBhvr>
+                                    </p:animEffect>
+                                  </p:childTnLst>
+                                </p:cTn>
+                              </p:par>
+                            </p:childTnLst>
+                          </p:cTn>
+                        </p:par>
+                      </p:childTnLst>
+                    </p:cTn>
+                  </p:par>
+                  <p:par>
+                    <p:cTn id="12" fill="hold">
+                      <p:stCondLst>
+                        <p:cond delay="indefinite"/>
+                      </p:stCondLst>
+                      <p:childTnLst>
+                        <p:par>
+                          <p:cTn id="13" fill="hold">
+                            <p:stCondLst>
+                              <p:cond delay="0"/>
+                            </p:stCondLst>
+                            <p:childTnLst>
+                              <p:par>
+                                <p:cTn id="14" presetID="15" presetClass="entr" presetSubtype="0" fill="hold" grpId="0" nodeType="clickEffect">
+                                  <p:stCondLst>
+                                    <p:cond delay="0"/>
+                                  </p:stCondLst>
+                                  <p:childTnLst>
+                                    <p:set>
+                                      <p:cBhvr>
+                                        <p:cTn id="15" dur="1" fill="hold">
+                                          <p:stCondLst>
+                                            <p:cond delay="0"/>
+                                          </p:stCondLst>
+                                        </p:cTn>
+                                        <p:tgtEl>
+                                          <p:spTgt spid="7"/>
+                                        </p:tgtEl>
+                                        <p:attrNameLst>
+                                          <p:attrName>style.visibility</p:attrName>
+                                        </p:attrNameLst>
+                                      </p:cBhvr>
+                                      <p:to>
+                                        <p:strVal val="visible"/>
+                                      </p:to>
+                                    </p:set>
+                                    <p:anim calcmode="lin" valueType="num">
+                                      <p:cBhvr>
+                                        <p:cTn id="16" dur="1000" fill="hold"/>
+                                        <p:tgtEl>
+                                          <p:spTgt spid="7"/>
+                                        </p:tgtEl>
+                                        <p:attrNameLst>
+                                          <p:attrName>ppt_w</p:attrName>
+                                        </p:attrNameLst>
+                                      </p:cBhvr>
+                                      <p:tavLst>
+                                        <p:tav tm="0">
+                                          <p:val>
+                                            <p:fltVal val="0"/>
+                                          </p:val>
+                                        </p:tav>
+                                        <p:tav tm="100000">
+                                          <p:val>
+                                            <p:strVal val="#ppt_w"/>
+                                          </p:val>
+                                        </p:tav>
+                                      </p:tavLst>
+                                    </p:anim>
+                                    <p:anim calcmode="lin" valueType="num">
+                                      <p:cBhvr>
+                                        <p:cTn id="17" dur="1000" fill="hold"/>
+                                        <p:tgtEl>
+                                          <p:spTgt spid="7"/>
+                                        </p:tgtEl>
+                                        <p:attrNameLst>
+                                          <p:attrName>ppt_h</p:attrName>
+                                        </p:attrNameLst>
+                                      </p:cBhvr>
+                                      <p:tavLst>
+                                        <p:tav tm="0">
+                                          <p:val>
+                                            <p:fltVal val="0"/>
+                                          </p:val>
+                                        </p:tav>
+                                        <p:tav tm="100000">
+                                          <p:val>
+                                            <p:strVal val="#ppt_h"/>
+                                          </p:val>
+                                        </p:tav>
+                                      </p:tavLst>
+                                    </p:anim>
+                                    <p:anim calcmode="lin" valueType="num">
+                                      <p:cBhvr>
+                                        <p:cTn id="18" dur="1000" fill="hold"/>
+                                        <p:tgtEl>
+                                          <p:spTgt spid="7"/>
+                                        </p:tgtEl>
+                                        <p:attrNameLst>
+                                          <p:attrName>ppt_x</p:attrName>
+                                        </p:attrNameLst>
+                                      </p:cBhvr>
+                                      <p:tavLst>
+                                        <p:tav tm="0" fmla="#ppt_x+(cos(-2*pi*(1-$))*-#ppt_x-sin(-2*pi*(1-$))*(1-#ppt_y))*(1-$)">
+                                          <p:val>
+                                            <p:fltVal val="0"/>
+                                          </p:val>
+                                        </p:tav>
+                                        <p:tav tm="100000">
+                                          <p:val>
+                                            <p:fltVal val="1"/>
+                                          </p:val>
+                                        </p:tav>
+                                      </p:tavLst>
+                                    </p:anim>
+                                    <p:anim calcmode="lin" valueType="num">
+                                      <p:cBhvr>
+                                        <p:cTn id="19" dur="1000" fill="hold"/>
+                                        <p:tgtEl>
+                                          <p:spTgt spid="7"/>
+                                        </p:tgtEl>
+                                        <p:attrNameLst>
+                                          <p:attrName>ppt_y</p:attrName>
+                                        </p:attrNameLst>
+                                      </p:cBhvr>
+                                      <p:tavLst>
+                                        <p:tav tm="0" fmla="#ppt_y+(sin(-2*pi*(1-$))*-#ppt_x+cos(-2*pi*(1-$))*(1-#ppt_y))*(1-$)">
+                                          <p:val>
+                                            <p:fltVal val="0"/>
+                                          </p:val>
+                                        </p:tav>
+                                        <p:tav tm="100000">
+                                          <p:val>
+                                            <p:fltVal val="1"/>
+                                          </p:val>
+                                        </p:tav>
+                                      </p:tavLst>
+                                    </p:anim>
+                                  </p:childTnLst>
+                                </p:cTn>
+                              </p:par>
+                            </p:childTnLst>
+                          </p:cTn>
+                        </p:par>
+                        <p:par>
+                          <p:cTn id="20" fill="hold">
+                            <p:stCondLst>
+                              <p:cond delay="1000"/>
+                            </p:stCondLst>
+                            <p:childTnLst>
+                              <p:par>
+                                <p:cTn id="21" presetID="9" presetClass="entr" presetSubtype="0" fill="hold" grpId="0" nodeType="afterEffect">
+                                  <p:stCondLst>
+                                    <p:cond delay="0"/>
+                                  </p:stCondLst>
+                                  <p:childTnLst>
+                                    <p:set>
+                                      <p:cBhvr>
+                                        <p:cTn id="22" dur="1" fill="hold">
+                                          <p:stCondLst>
+                                            <p:cond delay="0"/>
+                                          </p:stCondLst>
+                                        </p:cTn>
+                                        <p:tgtEl>
+                                          <p:spTgt spid="9"/>
+                                        </p:tgtEl>
+                                        <p:attrNameLst>
+                                          <p:attrName>style.visibility</p:attrName>
+                                        </p:attrNameLst>
+                                      </p:cBhvr>
+                                      <p:to>
+                                        <p:strVal val="visible"/>
+                                      </p:to>
+                                    </p:set>
+                                    <p:animEffect transition="in" filter="dissolve">
+                                      <p:cBhvr>
+                                        <p:cTn id="23" dur="500"/>
+                                        <p:tgtEl>
+                                          <p:spTgt spid="9"/>
+                                        </p:tgtEl>
+                                      </p:cBhvr>
+                                    </p:animEffect>
+                                  </p:childTnLst>
+                                </p:cTn>
+                              </p:par>
+                            </p:childTnLst>
+                          </p:cTn>
+                        </p:par>
+                      </p:childTnLst>
+                    </p:cTn>
+                  </p:par>
+                </p:childTnLst>
+              </p:cTn>
+              <p:prevCondLst>
+                <p:cond evt="onPrev" delay="0">
+                  <p:tgtEl>
+                    <p:sldTgt/>
+                  </p:tgtEl>
+                </p:cond>
+              </p:prevCondLst>
+              <p:nextCondLst>
+                <p:cond evt="onNext" delay="0">
+                  <p:tgtEl>
+                    <p:sldTgt/>
+                  </p:tgtEl>
+                </p:cond>
+              </p:nextCondLst>
+            </p:seq>
+          </p:childTnLst>
+        </p:cTn>
+      </p:par>
+    </p:tnLst>
+    <p:bldLst>
+      <p:bldP spid="24" grpId="0"/>
+      <p:bldP spid="7" grpId="0" animBg="1"/>
+      <p:bldP spid="9" grpId="0" animBg="1"/>
+    </p:bldLst>
+  </p:timing>
+</p:sld>
+</file>
+
+<file path=ppt/slides/slide6.xml><?xml version="1.0" encoding="utf-8"?>
+<p:sld xmlns:a="http://schemas.openxmlformats.org/drawingml/2006/main" xmlns:r="http://schemas.openxmlformats.org/officeDocument/2006/relationships" xmlns:p="http://schemas.openxmlformats.org/presentationml/2006/main">
+  <p:cSld>
+    <p:spTree>
+      <p:nvGrpSpPr>
+        <p:cNvPr id="1" name=""/>
+        <p:cNvGrpSpPr/>
+        <p:nvPr/>
+      </p:nvGrpSpPr>
+      <p:grpSpPr>
+        <a:xfrm>
+          <a:off x="0" y="0"/>
+          <a:ext cx="0" cy="0"/>
+          <a:chOff x="0" y="0"/>
+          <a:chExt cx="0" cy="0"/>
+        </a:xfrm>
+      </p:grpSpPr>
+      <p:sp>
+        <p:nvSpPr>
+          <p:cNvPr id="2" name="Title 1"/>
+          <p:cNvSpPr>
+            <a:spLocks noGrp="1"/>
+          </p:cNvSpPr>
+          <p:nvPr>
+            <p:ph type="title"/>
+          </p:nvPr>
+        </p:nvSpPr>
+        <p:spPr>
+          <a:xfrm>
+            <a:off x="1593850" y="208417"/>
+            <a:ext cx="6794500" cy="1003300"/>
+          </a:xfrm>
+        </p:spPr>
+        <p:txBody>
+          <a:bodyPr/>
+          <a:lstStyle/>
+          <a:p>
+            <a:r>
+              <a:rPr lang="en-US" sz="3600" dirty="0" smtClean="0"/>
+              <a:t>Definition of </a:t>
+            </a:r>
+            <a:r>
+              <a:rPr lang="en-US" sz="3600" dirty="0" smtClean="0">
+                <a:solidFill>
+                  <a:srgbClr val="0000FF"/>
+                </a:solidFill>
+              </a:rPr>
+              <a:t>XOR</a:t>
+            </a:r>
+            <a:endParaRPr lang="en-US" sz="3600" dirty="0">
+              <a:solidFill>
+                <a:srgbClr val="0000FF"/>
+              </a:solidFill>
+            </a:endParaRPr>
+          </a:p>
+        </p:txBody>
+      </p:sp>
+      <p:graphicFrame>
+        <p:nvGraphicFramePr>
+          <p:cNvPr id="22" name="Table 21"/>
+          <p:cNvGraphicFramePr>
+            <a:graphicFrameLocks noGrp="1"/>
+          </p:cNvGraphicFramePr>
+          <p:nvPr>
+            <p:extLst>
+              <p:ext uri="{D42A27DB-BD31-4B8C-83A1-F6EECF244321}">
+                <p14:modId xmlns:p14="http://schemas.microsoft.com/office/powerpoint/2010/main" val="423073004"/>
+              </p:ext>
+            </p:extLst>
+          </p:nvPr>
+        </p:nvGraphicFramePr>
+        <p:xfrm>
+          <a:off x="2471560" y="2850032"/>
+          <a:ext cx="4215831" cy="3505199"/>
+        </p:xfrm>
+        <a:graphic>
+          <a:graphicData uri="http://schemas.openxmlformats.org/drawingml/2006/table">
+            <a:tbl>
+              <a:tblPr firstRow="1" bandRow="1">
+                <a:tableStyleId>{7DF18680-E054-41AD-8BC1-D1AEF772440D}</a:tableStyleId>
+              </a:tblPr>
+              <a:tblGrid>
+                <a:gridCol w="1073000"/>
+                <a:gridCol w="1170696"/>
+                <a:gridCol w="1972135"/>
+              </a:tblGrid>
+              <a:tr h="685872">
+                <a:tc>
+                  <a:txBody>
+                    <a:bodyPr/>
+                    <a:lstStyle/>
+                    <a:p>
+                      <a:pPr algn="ctr"/>
+                      <a:r>
+                        <a:rPr lang="en-US" sz="2800" b="0" dirty="0" smtClean="0">
+                          <a:solidFill>
+                            <a:schemeClr val="tx1"/>
+                          </a:solidFill>
+                          <a:latin typeface="Comic Sans MS" pitchFamily="66" charset="0"/>
+                        </a:rPr>
+                        <a:t>P</a:t>
+                      </a:r>
+                      <a:endParaRPr lang="en-US" sz="2800" b="0" dirty="0">
+                        <a:solidFill>
+                          <a:schemeClr val="tx1"/>
+                        </a:solidFill>
+                        <a:latin typeface="Comic Sans MS" pitchFamily="66" charset="0"/>
+                      </a:endParaRPr>
+                    </a:p>
+                  </a:txBody>
+                  <a:tcPr marL="137160" marR="137160" marT="137160" marB="137160">
+                    <a:lnL w="12700" cap="flat" cmpd="sng" algn="ctr">
+                      <a:solidFill>
+                        <a:schemeClr val="tx1"/>
+                      </a:solidFill>
+                      <a:prstDash val="solid"/>
+                      <a:round/>
+                      <a:headEnd type="none" w="med" len="med"/>
+                      <a:tailEnd type="none" w="med" len="med"/>
+                    </a:lnL>
+                    <a:lnR w="12700" cap="flat" cmpd="sng" algn="ctr">
+                      <a:solidFill>
+                        <a:schemeClr val="tx1"/>
+                      </a:solidFill>
+                      <a:prstDash val="solid"/>
+                      <a:round/>
+                      <a:headEnd type="none" w="med" len="med"/>
+                      <a:tailEnd type="none" w="med" len="med"/>
+                    </a:lnR>
+                    <a:lnT w="12700" cap="flat" cmpd="sng" algn="ctr">
+                      <a:solidFill>
+                        <a:schemeClr val="tx1"/>
+                      </a:solidFill>
+                      <a:prstDash val="solid"/>
+                      <a:round/>
+                      <a:headEnd type="none" w="med" len="med"/>
+                      <a:tailEnd type="none" w="med" len="med"/>
+                    </a:lnT>
+                    <a:lnB w="12700" cap="flat" cmpd="sng" algn="ctr">
+                      <a:solidFill>
+                        <a:schemeClr val="tx1"/>
+                      </a:solidFill>
+                      <a:prstDash val="solid"/>
+                      <a:round/>
+                      <a:headEnd type="none" w="med" len="med"/>
+                      <a:tailEnd type="none" w="med" len="med"/>
+                    </a:lnB>
+                  </a:tcPr>
+                </a:tc>
+                <a:tc>
+                  <a:txBody>
+                    <a:bodyPr/>
+                    <a:lstStyle/>
+                    <a:p>
+                      <a:pPr algn="ctr"/>
+                      <a:r>
+                        <a:rPr lang="en-US" sz="2800" b="0" dirty="0" smtClean="0">
+                          <a:solidFill>
+                            <a:schemeClr val="tx1"/>
+                          </a:solidFill>
+                          <a:latin typeface="Comic Sans MS" pitchFamily="66" charset="0"/>
+                        </a:rPr>
+                        <a:t>Q</a:t>
+                      </a:r>
+                      <a:endParaRPr lang="en-US" sz="2800" b="0" dirty="0">
+                        <a:solidFill>
+                          <a:schemeClr val="tx1"/>
+                        </a:solidFill>
+                        <a:latin typeface="Comic Sans MS" pitchFamily="66" charset="0"/>
+                      </a:endParaRPr>
+                    </a:p>
+                  </a:txBody>
+                  <a:tcPr marL="137160" marR="137160" marT="137160" marB="137160">
+                    <a:lnL w="12700" cap="flat" cmpd="sng" algn="ctr">
+                      <a:solidFill>
+                        <a:schemeClr val="tx1"/>
+                      </a:solidFill>
+                      <a:prstDash val="solid"/>
+                      <a:round/>
+                      <a:headEnd type="none" w="med" len="med"/>
+                      <a:tailEnd type="none" w="med" len="med"/>
+                    </a:lnL>
+                    <a:lnR w="12700" cap="flat" cmpd="sng" algn="ctr">
+                      <a:solidFill>
+                        <a:schemeClr val="tx1"/>
+                      </a:solidFill>
+                      <a:prstDash val="solid"/>
+                      <a:round/>
+                      <a:headEnd type="none" w="med" len="med"/>
+                      <a:tailEnd type="none" w="med" len="med"/>
+                    </a:lnR>
+                    <a:lnT w="12700" cap="flat" cmpd="sng" algn="ctr">
+                      <a:solidFill>
+                        <a:schemeClr val="tx1"/>
+                      </a:solidFill>
+                      <a:prstDash val="solid"/>
+                      <a:round/>
+                      <a:headEnd type="none" w="med" len="med"/>
+                      <a:tailEnd type="none" w="med" len="med"/>
+                    </a:lnT>
+                    <a:lnB w="12700" cap="flat" cmpd="sng" algn="ctr">
+                      <a:solidFill>
+                        <a:schemeClr val="tx1"/>
+                      </a:solidFill>
+                      <a:prstDash val="solid"/>
+                      <a:round/>
+                      <a:headEnd type="none" w="med" len="med"/>
+                      <a:tailEnd type="none" w="med" len="med"/>
+                    </a:lnB>
+                  </a:tcPr>
+                </a:tc>
+                <a:tc>
+                  <a:txBody>
+                    <a:bodyPr/>
+                    <a:lstStyle/>
+                    <a:p>
+                      <a:pPr marL="0" marR="0" indent="0" algn="ctr" defTabSz="914400" rtl="0" eaLnBrk="1" fontAlgn="auto" latinLnBrk="0" hangingPunct="1">
+                        <a:lnSpc>
+                          <a:spcPct val="100000"/>
+                        </a:lnSpc>
+                        <a:spcBef>
+                          <a:spcPts val="0"/>
+                        </a:spcBef>
+                        <a:spcAft>
+                          <a:spcPts val="0"/>
+                        </a:spcAft>
+                        <a:buClrTx/>
+                        <a:buSzTx/>
+                        <a:buFontTx/>
+                        <a:buNone/>
+                        <a:tabLst/>
+                        <a:defRPr/>
+                      </a:pPr>
+                      <a:r>
+                        <a:rPr lang="en-US" sz="2800" b="0" dirty="0" smtClean="0">
+                          <a:solidFill>
+                            <a:schemeClr val="tx1"/>
+                          </a:solidFill>
+                          <a:latin typeface="Comic Sans MS" pitchFamily="66" charset="0"/>
+                        </a:rPr>
+                        <a:t>P </a:t>
+                      </a:r>
+                      <a:r>
+                        <a:rPr kumimoji="0" lang="en-US" sz="2400" b="1" i="0" u="none" strike="noStrike" kern="1200" cap="none" spc="0" normalizeH="0" baseline="0" noProof="0" dirty="0" smtClean="0">
+                          <a:ln>
+                            <a:noFill/>
+                          </a:ln>
+                          <a:solidFill>
+                            <a:srgbClr val="0000FF"/>
+                          </a:solidFill>
+                          <a:effectLst/>
+                          <a:uLnTx/>
+                          <a:uFillTx/>
+                          <a:latin typeface="Comic Sans MS" pitchFamily="66" charset="0"/>
+                          <a:ea typeface="+mn-ea"/>
+                          <a:cs typeface="+mn-cs"/>
+                        </a:rPr>
+                        <a:t>XOR </a:t>
+                      </a:r>
+                      <a:r>
+                        <a:rPr lang="en-US" sz="2800" b="0" baseline="0" dirty="0" smtClean="0">
+                          <a:solidFill>
+                            <a:schemeClr val="tx1"/>
+                          </a:solidFill>
+                          <a:latin typeface="Comic Sans MS" pitchFamily="66" charset="0"/>
+                        </a:rPr>
+                        <a:t>Q</a:t>
+                      </a:r>
+                      <a:endParaRPr lang="en-US" sz="2800" b="0" dirty="0">
+                        <a:solidFill>
+                          <a:schemeClr val="tx1"/>
+                        </a:solidFill>
+                        <a:latin typeface="Comic Sans MS" pitchFamily="66" charset="0"/>
+                      </a:endParaRPr>
+                    </a:p>
+                  </a:txBody>
+                  <a:tcPr marL="137160" marR="137160" marT="137160" marB="137160">
+                    <a:lnL w="12700" cap="flat" cmpd="sng" algn="ctr">
+                      <a:solidFill>
+                        <a:schemeClr val="tx1"/>
+                      </a:solidFill>
+                      <a:prstDash val="solid"/>
+                      <a:round/>
+                      <a:headEnd type="none" w="med" len="med"/>
+                      <a:tailEnd type="none" w="med" len="med"/>
+                    </a:lnL>
+                    <a:lnR w="12700" cap="flat" cmpd="sng" algn="ctr">
+                      <a:solidFill>
+                        <a:schemeClr val="tx1"/>
+                      </a:solidFill>
+                      <a:prstDash val="solid"/>
+                      <a:round/>
+                      <a:headEnd type="none" w="med" len="med"/>
+                      <a:tailEnd type="none" w="med" len="med"/>
+                    </a:lnR>
+                    <a:lnT w="12700" cap="flat" cmpd="sng" algn="ctr">
+                      <a:solidFill>
+                        <a:schemeClr val="tx1"/>
+                      </a:solidFill>
+                      <a:prstDash val="solid"/>
+                      <a:round/>
+                      <a:headEnd type="none" w="med" len="med"/>
+                      <a:tailEnd type="none" w="med" len="med"/>
+                    </a:lnT>
+                    <a:lnB w="12700" cap="flat" cmpd="sng" algn="ctr">
+                      <a:solidFill>
+                        <a:schemeClr val="tx1"/>
+                      </a:solidFill>
+                      <a:prstDash val="solid"/>
+                      <a:round/>
+                      <a:headEnd type="none" w="med" len="med"/>
+                      <a:tailEnd type="none" w="med" len="med"/>
+                    </a:lnB>
+                  </a:tcPr>
+                </a:tc>
+              </a:tr>
+              <a:tr h="675281">
+                <a:tc>
+                  <a:txBody>
+                    <a:bodyPr/>
+                    <a:lstStyle/>
+                    <a:p>
+                      <a:pPr algn="ctr"/>
+                      <a:r>
+                        <a:rPr lang="en-US" sz="2800" b="0" dirty="0" smtClean="0">
+                          <a:solidFill>
+                            <a:srgbClr val="008000"/>
+                          </a:solidFill>
+                          <a:latin typeface="Comic Sans MS" pitchFamily="66" charset="0"/>
+                        </a:rPr>
+                        <a:t>T</a:t>
+                      </a:r>
+                      <a:endParaRPr lang="en-US" sz="2800" b="0" dirty="0">
+                        <a:solidFill>
+                          <a:srgbClr val="008000"/>
+                        </a:solidFill>
+                        <a:latin typeface="Comic Sans MS" pitchFamily="66" charset="0"/>
+                      </a:endParaRPr>
+                    </a:p>
+                  </a:txBody>
+                  <a:tcPr marL="137160" marR="137160" marT="137160" marB="137160">
+                    <a:lnL w="12700" cap="flat" cmpd="sng" algn="ctr">
+                      <a:solidFill>
+                        <a:schemeClr val="tx1"/>
+                      </a:solidFill>
+                      <a:prstDash val="solid"/>
+                      <a:round/>
+                      <a:headEnd type="none" w="med" len="med"/>
+                      <a:tailEnd type="none" w="med" len="med"/>
+                    </a:lnL>
+                    <a:lnR w="12700" cap="flat" cmpd="sng" algn="ctr">
+                      <a:solidFill>
+                        <a:schemeClr val="tx1"/>
+                      </a:solidFill>
+                      <a:prstDash val="solid"/>
+                      <a:round/>
+                      <a:headEnd type="none" w="med" len="med"/>
+                      <a:tailEnd type="none" w="med" len="med"/>
+                    </a:lnR>
+                    <a:lnT w="12700" cap="flat" cmpd="sng" algn="ctr">
+                      <a:solidFill>
+                        <a:schemeClr val="tx1"/>
+                      </a:solidFill>
+                      <a:prstDash val="solid"/>
+                      <a:round/>
+                      <a:headEnd type="none" w="med" len="med"/>
+                      <a:tailEnd type="none" w="med" len="med"/>
+                    </a:lnT>
+                    <a:lnB w="12700" cap="flat" cmpd="sng" algn="ctr">
+                      <a:solidFill>
+                        <a:schemeClr val="tx1"/>
+                      </a:solidFill>
+                      <a:prstDash val="solid"/>
+                      <a:round/>
+                      <a:headEnd type="none" w="med" len="med"/>
+                      <a:tailEnd type="none" w="med" len="med"/>
+                    </a:lnB>
+                  </a:tcPr>
+                </a:tc>
+                <a:tc>
+                  <a:txBody>
+                    <a:bodyPr/>
+                    <a:lstStyle/>
+                    <a:p>
+                      <a:pPr algn="ctr"/>
+                      <a:r>
+                        <a:rPr lang="en-US" sz="2800" b="0" dirty="0" smtClean="0">
+                          <a:solidFill>
+                            <a:srgbClr val="008000"/>
+                          </a:solidFill>
+                          <a:latin typeface="Comic Sans MS" pitchFamily="66" charset="0"/>
+                        </a:rPr>
+                        <a:t>T</a:t>
+                      </a:r>
+                      <a:endParaRPr lang="en-US" sz="2800" b="0" dirty="0">
+                        <a:solidFill>
+                          <a:srgbClr val="008000"/>
+                        </a:solidFill>
+                        <a:latin typeface="Comic Sans MS" pitchFamily="66" charset="0"/>
+                      </a:endParaRPr>
+                    </a:p>
+                  </a:txBody>
+                  <a:tcPr marL="137160" marR="137160" marT="137160" marB="137160">
+                    <a:lnL w="12700" cap="flat" cmpd="sng" algn="ctr">
+                      <a:solidFill>
+                        <a:schemeClr val="tx1"/>
+                      </a:solidFill>
+                      <a:prstDash val="solid"/>
+                      <a:round/>
+                      <a:headEnd type="none" w="med" len="med"/>
+                      <a:tailEnd type="none" w="med" len="med"/>
+                    </a:lnL>
+                    <a:lnR w="12700" cap="flat" cmpd="sng" algn="ctr">
+                      <a:solidFill>
+                        <a:schemeClr val="tx1"/>
+                      </a:solidFill>
+                      <a:prstDash val="solid"/>
+                      <a:round/>
+                      <a:headEnd type="none" w="med" len="med"/>
+                      <a:tailEnd type="none" w="med" len="med"/>
+                    </a:lnR>
+                    <a:lnT w="12700" cap="flat" cmpd="sng" algn="ctr">
+                      <a:solidFill>
+                        <a:schemeClr val="tx1"/>
+                      </a:solidFill>
+                      <a:prstDash val="solid"/>
+                      <a:round/>
+                      <a:headEnd type="none" w="med" len="med"/>
+                      <a:tailEnd type="none" w="med" len="med"/>
+                    </a:lnT>
+                    <a:lnB w="12700" cap="flat" cmpd="sng" algn="ctr">
+                      <a:solidFill>
+                        <a:schemeClr val="tx1"/>
+                      </a:solidFill>
+                      <a:prstDash val="solid"/>
+                      <a:round/>
+                      <a:headEnd type="none" w="med" len="med"/>
+                      <a:tailEnd type="none" w="med" len="med"/>
+                    </a:lnB>
+                  </a:tcPr>
+                </a:tc>
+                <a:tc>
+                  <a:txBody>
+                    <a:bodyPr/>
+                    <a:lstStyle/>
+                    <a:p>
+                      <a:pPr algn="ctr"/>
+                      <a:r>
+                        <a:rPr lang="en-US" sz="2800" b="0" dirty="0" smtClean="0">
+                          <a:solidFill>
+                            <a:srgbClr val="FF0000"/>
+                          </a:solidFill>
+                          <a:latin typeface="Comic Sans MS" pitchFamily="66" charset="0"/>
+                        </a:rPr>
+                        <a:t>F</a:t>
+                      </a:r>
+                      <a:endParaRPr lang="en-US" sz="2800" b="0" dirty="0">
+                        <a:solidFill>
+                          <a:srgbClr val="FF0000"/>
+                        </a:solidFill>
+                        <a:latin typeface="Comic Sans MS" pitchFamily="66" charset="0"/>
+                      </a:endParaRPr>
+                    </a:p>
+                  </a:txBody>
+                  <a:tcPr marL="137160" marR="137160" marT="137160" marB="137160" anchor="ctr" anchorCtr="1">
+                    <a:lnL w="12700" cap="flat" cmpd="sng" algn="ctr">
+                      <a:solidFill>
+                        <a:schemeClr val="tx1"/>
+                      </a:solidFill>
+                      <a:prstDash val="solid"/>
+                      <a:round/>
+                      <a:headEnd type="none" w="med" len="med"/>
+                      <a:tailEnd type="none" w="med" len="med"/>
+                    </a:lnL>
+                    <a:lnR w="12700" cap="flat" cmpd="sng" algn="ctr">
+                      <a:solidFill>
+                        <a:schemeClr val="tx1"/>
+                      </a:solidFill>
+                      <a:prstDash val="solid"/>
+                      <a:round/>
+                      <a:headEnd type="none" w="med" len="med"/>
+                      <a:tailEnd type="none" w="med" len="med"/>
+                    </a:lnR>
+                    <a:lnT w="12700" cap="flat" cmpd="sng" algn="ctr">
+                      <a:solidFill>
+                        <a:schemeClr val="tx1"/>
+                      </a:solidFill>
+                      <a:prstDash val="solid"/>
+                      <a:round/>
+                      <a:headEnd type="none" w="med" len="med"/>
+                      <a:tailEnd type="none" w="med" len="med"/>
+                    </a:lnT>
+                    <a:lnB w="12700" cap="flat" cmpd="sng" algn="ctr">
+                      <a:solidFill>
+                        <a:schemeClr val="tx1"/>
+                      </a:solidFill>
+                      <a:prstDash val="solid"/>
+                      <a:round/>
+                      <a:headEnd type="none" w="med" len="med"/>
+                      <a:tailEnd type="none" w="med" len="med"/>
+                    </a:lnB>
+                    <a:solidFill>
+                      <a:schemeClr val="accent5">
+                        <a:tint val="40000"/>
+                      </a:schemeClr>
+                    </a:solidFill>
+                  </a:tcPr>
+                </a:tc>
+              </a:tr>
+              <a:tr h="675281">
+                <a:tc>
+                  <a:txBody>
+                    <a:bodyPr/>
+                    <a:lstStyle/>
+                    <a:p>
+                      <a:pPr algn="ctr"/>
+                      <a:r>
+                        <a:rPr lang="en-US" sz="2800" b="0" dirty="0" smtClean="0">
+                          <a:solidFill>
+                            <a:srgbClr val="008000"/>
+                          </a:solidFill>
+                          <a:latin typeface="Comic Sans MS" pitchFamily="66" charset="0"/>
+                        </a:rPr>
+                        <a:t>T</a:t>
+                      </a:r>
+                      <a:endParaRPr lang="en-US" sz="2800" b="0" dirty="0">
+                        <a:solidFill>
+                          <a:srgbClr val="008000"/>
+                        </a:solidFill>
+                        <a:latin typeface="Comic Sans MS" pitchFamily="66" charset="0"/>
+                      </a:endParaRPr>
+                    </a:p>
+                  </a:txBody>
+                  <a:tcPr marL="137160" marR="137160" marT="137160" marB="137160">
+                    <a:lnL w="12700" cap="flat" cmpd="sng" algn="ctr">
+                      <a:solidFill>
+                        <a:schemeClr val="tx1"/>
+                      </a:solidFill>
+                      <a:prstDash val="solid"/>
+                      <a:round/>
+                      <a:headEnd type="none" w="med" len="med"/>
+                      <a:tailEnd type="none" w="med" len="med"/>
+                    </a:lnL>
+                    <a:lnR w="12700" cap="flat" cmpd="sng" algn="ctr">
+                      <a:solidFill>
+                        <a:schemeClr val="tx1"/>
+                      </a:solidFill>
+                      <a:prstDash val="solid"/>
+                      <a:round/>
+                      <a:headEnd type="none" w="med" len="med"/>
+                      <a:tailEnd type="none" w="med" len="med"/>
+                    </a:lnR>
+                    <a:lnT w="12700" cap="flat" cmpd="sng" algn="ctr">
+                      <a:solidFill>
+                        <a:schemeClr val="tx1"/>
+                      </a:solidFill>
+                      <a:prstDash val="solid"/>
+                      <a:round/>
+                      <a:headEnd type="none" w="med" len="med"/>
+                      <a:tailEnd type="none" w="med" len="med"/>
+                    </a:lnT>
+                    <a:lnB w="12700" cap="flat" cmpd="sng" algn="ctr">
+                      <a:solidFill>
+                        <a:schemeClr val="tx1"/>
+                      </a:solidFill>
+                      <a:prstDash val="solid"/>
+                      <a:round/>
+                      <a:headEnd type="none" w="med" len="med"/>
+                      <a:tailEnd type="none" w="med" len="med"/>
+                    </a:lnB>
+                  </a:tcPr>
+                </a:tc>
+                <a:tc>
+                  <a:txBody>
+                    <a:bodyPr/>
+                    <a:lstStyle/>
+                    <a:p>
+                      <a:pPr algn="ctr"/>
+                      <a:r>
+                        <a:rPr lang="en-US" sz="2800" b="0" dirty="0" smtClean="0">
+                          <a:solidFill>
+                            <a:srgbClr val="C00000"/>
+                          </a:solidFill>
+                          <a:latin typeface="Comic Sans MS" pitchFamily="66" charset="0"/>
+                        </a:rPr>
+                        <a:t>F</a:t>
+                      </a:r>
+                      <a:endParaRPr lang="en-US" sz="2800" b="0" dirty="0">
+                        <a:solidFill>
+                          <a:srgbClr val="C00000"/>
+                        </a:solidFill>
+                        <a:latin typeface="Comic Sans MS" pitchFamily="66" charset="0"/>
+                      </a:endParaRPr>
+                    </a:p>
+                  </a:txBody>
+                  <a:tcPr marL="137160" marR="137160" marT="137160" marB="137160">
+                    <a:lnL w="12700" cap="flat" cmpd="sng" algn="ctr">
+                      <a:solidFill>
+                        <a:schemeClr val="tx1"/>
+                      </a:solidFill>
+                      <a:prstDash val="solid"/>
+                      <a:round/>
+                      <a:headEnd type="none" w="med" len="med"/>
+                      <a:tailEnd type="none" w="med" len="med"/>
+                    </a:lnL>
+                    <a:lnR w="12700" cap="flat" cmpd="sng" algn="ctr">
+                      <a:solidFill>
+                        <a:schemeClr val="tx1"/>
+                      </a:solidFill>
+                      <a:prstDash val="solid"/>
+                      <a:round/>
+                      <a:headEnd type="none" w="med" len="med"/>
+                      <a:tailEnd type="none" w="med" len="med"/>
+                    </a:lnR>
+                    <a:lnT w="12700" cap="flat" cmpd="sng" algn="ctr">
+                      <a:solidFill>
+                        <a:schemeClr val="tx1"/>
+                      </a:solidFill>
+                      <a:prstDash val="solid"/>
+                      <a:round/>
+                      <a:headEnd type="none" w="med" len="med"/>
+                      <a:tailEnd type="none" w="med" len="med"/>
+                    </a:lnT>
+                    <a:lnB w="12700" cap="flat" cmpd="sng" algn="ctr">
+                      <a:solidFill>
+                        <a:schemeClr val="tx1"/>
+                      </a:solidFill>
+                      <a:prstDash val="solid"/>
+                      <a:round/>
+                      <a:headEnd type="none" w="med" len="med"/>
+                      <a:tailEnd type="none" w="med" len="med"/>
+                    </a:lnB>
+                  </a:tcPr>
+                </a:tc>
+                <a:tc>
+                  <a:txBody>
+                    <a:bodyPr/>
+                    <a:lstStyle/>
+                    <a:p>
+                      <a:pPr algn="ctr"/>
+                      <a:r>
+                        <a:rPr lang="en-US" sz="2800" b="0" dirty="0" smtClean="0">
+                          <a:solidFill>
+                            <a:srgbClr val="008000"/>
+                          </a:solidFill>
+                          <a:latin typeface="Comic Sans MS" pitchFamily="66" charset="0"/>
+                        </a:rPr>
+                        <a:t>T</a:t>
+                      </a:r>
+                      <a:endParaRPr lang="en-US" sz="2800" b="0" dirty="0">
+                        <a:solidFill>
+                          <a:srgbClr val="008000"/>
+                        </a:solidFill>
+                        <a:latin typeface="Comic Sans MS" pitchFamily="66" charset="0"/>
+                      </a:endParaRPr>
+                    </a:p>
+                  </a:txBody>
+                  <a:tcPr marL="137160" marR="137160" marT="137160" marB="137160">
+                    <a:lnL w="12700" cap="flat" cmpd="sng" algn="ctr">
+                      <a:solidFill>
+                        <a:schemeClr val="tx1"/>
+                      </a:solidFill>
+                      <a:prstDash val="solid"/>
+                      <a:round/>
+                      <a:headEnd type="none" w="med" len="med"/>
+                      <a:tailEnd type="none" w="med" len="med"/>
+                    </a:lnL>
+                    <a:lnR w="12700" cap="flat" cmpd="sng" algn="ctr">
+                      <a:solidFill>
+                        <a:schemeClr val="tx1"/>
+                      </a:solidFill>
+                      <a:prstDash val="solid"/>
+                      <a:round/>
+                      <a:headEnd type="none" w="med" len="med"/>
+                      <a:tailEnd type="none" w="med" len="med"/>
+                    </a:lnR>
+                    <a:lnT w="12700" cap="flat" cmpd="sng" algn="ctr">
+                      <a:solidFill>
+                        <a:schemeClr val="tx1"/>
+                      </a:solidFill>
+                      <a:prstDash val="solid"/>
+                      <a:round/>
+                      <a:headEnd type="none" w="med" len="med"/>
+                      <a:tailEnd type="none" w="med" len="med"/>
+                    </a:lnT>
+                    <a:lnB w="12700" cap="flat" cmpd="sng" algn="ctr">
+                      <a:solidFill>
+                        <a:schemeClr val="tx1"/>
+                      </a:solidFill>
+                      <a:prstDash val="solid"/>
+                      <a:round/>
+                      <a:headEnd type="none" w="med" len="med"/>
+                      <a:tailEnd type="none" w="med" len="med"/>
+                    </a:lnB>
+                  </a:tcPr>
+                </a:tc>
+              </a:tr>
+              <a:tr h="675281">
+                <a:tc>
+                  <a:txBody>
+                    <a:bodyPr/>
+                    <a:lstStyle/>
+                    <a:p>
+                      <a:pPr algn="ctr"/>
+                      <a:r>
+                        <a:rPr lang="en-US" sz="2800" b="0" dirty="0" smtClean="0">
+                          <a:solidFill>
+                            <a:srgbClr val="C00000"/>
+                          </a:solidFill>
+                          <a:latin typeface="Comic Sans MS" pitchFamily="66" charset="0"/>
+                        </a:rPr>
+                        <a:t>F</a:t>
+                      </a:r>
+                      <a:endParaRPr lang="en-US" sz="2800" b="0" dirty="0">
+                        <a:solidFill>
+                          <a:srgbClr val="C00000"/>
+                        </a:solidFill>
+                        <a:latin typeface="Comic Sans MS" pitchFamily="66" charset="0"/>
+                      </a:endParaRPr>
+                    </a:p>
+                  </a:txBody>
+                  <a:tcPr marL="137160" marR="137160" marT="137160" marB="137160">
+                    <a:lnL w="12700" cap="flat" cmpd="sng" algn="ctr">
+                      <a:solidFill>
+                        <a:schemeClr val="tx1"/>
+                      </a:solidFill>
+                      <a:prstDash val="solid"/>
+                      <a:round/>
+                      <a:headEnd type="none" w="med" len="med"/>
+                      <a:tailEnd type="none" w="med" len="med"/>
+                    </a:lnL>
+                    <a:lnR w="12700" cap="flat" cmpd="sng" algn="ctr">
+                      <a:solidFill>
+                        <a:schemeClr val="tx1"/>
+                      </a:solidFill>
+                      <a:prstDash val="solid"/>
+                      <a:round/>
+                      <a:headEnd type="none" w="med" len="med"/>
+                      <a:tailEnd type="none" w="med" len="med"/>
+                    </a:lnR>
+                    <a:lnT w="12700" cap="flat" cmpd="sng" algn="ctr">
+                      <a:solidFill>
+                        <a:schemeClr val="tx1"/>
+                      </a:solidFill>
+                      <a:prstDash val="solid"/>
+                      <a:round/>
+                      <a:headEnd type="none" w="med" len="med"/>
+                      <a:tailEnd type="none" w="med" len="med"/>
+                    </a:lnT>
+                    <a:lnB w="12700" cap="flat" cmpd="sng" algn="ctr">
+                      <a:solidFill>
+                        <a:schemeClr val="tx1"/>
+                      </a:solidFill>
+                      <a:prstDash val="solid"/>
+                      <a:round/>
+                      <a:headEnd type="none" w="med" len="med"/>
+                      <a:tailEnd type="none" w="med" len="med"/>
+                    </a:lnB>
+                  </a:tcPr>
+                </a:tc>
+                <a:tc>
+                  <a:txBody>
+                    <a:bodyPr/>
+                    <a:lstStyle/>
+                    <a:p>
+                      <a:pPr algn="ctr"/>
+                      <a:r>
+                        <a:rPr lang="en-US" sz="2800" b="0" dirty="0" smtClean="0">
+                          <a:solidFill>
+                            <a:srgbClr val="008000"/>
+                          </a:solidFill>
+                          <a:latin typeface="Comic Sans MS" pitchFamily="66" charset="0"/>
+                        </a:rPr>
+                        <a:t>T</a:t>
+                      </a:r>
+                      <a:endParaRPr lang="en-US" sz="2800" b="0" dirty="0">
+                        <a:solidFill>
+                          <a:srgbClr val="008000"/>
+                        </a:solidFill>
+                        <a:latin typeface="Comic Sans MS" pitchFamily="66" charset="0"/>
+                      </a:endParaRPr>
+                    </a:p>
+                  </a:txBody>
+                  <a:tcPr marL="137160" marR="137160" marT="137160" marB="137160">
+                    <a:lnL w="12700" cap="flat" cmpd="sng" algn="ctr">
+                      <a:solidFill>
+                        <a:schemeClr val="tx1"/>
+                      </a:solidFill>
+                      <a:prstDash val="solid"/>
+                      <a:round/>
+                      <a:headEnd type="none" w="med" len="med"/>
+                      <a:tailEnd type="none" w="med" len="med"/>
+                    </a:lnL>
+                    <a:lnR w="12700" cap="flat" cmpd="sng" algn="ctr">
+                      <a:solidFill>
+                        <a:schemeClr val="tx1"/>
+                      </a:solidFill>
+                      <a:prstDash val="solid"/>
+                      <a:round/>
+                      <a:headEnd type="none" w="med" len="med"/>
+                      <a:tailEnd type="none" w="med" len="med"/>
+                    </a:lnR>
+                    <a:lnT w="12700" cap="flat" cmpd="sng" algn="ctr">
+                      <a:solidFill>
+                        <a:schemeClr val="tx1"/>
+                      </a:solidFill>
+                      <a:prstDash val="solid"/>
+                      <a:round/>
+                      <a:headEnd type="none" w="med" len="med"/>
+                      <a:tailEnd type="none" w="med" len="med"/>
+                    </a:lnT>
+                    <a:lnB w="12700" cap="flat" cmpd="sng" algn="ctr">
+                      <a:solidFill>
+                        <a:schemeClr val="tx1"/>
+                      </a:solidFill>
+                      <a:prstDash val="solid"/>
+                      <a:round/>
+                      <a:headEnd type="none" w="med" len="med"/>
+                      <a:tailEnd type="none" w="med" len="med"/>
+                    </a:lnB>
+                  </a:tcPr>
+                </a:tc>
+                <a:tc>
+                  <a:txBody>
+                    <a:bodyPr/>
+                    <a:lstStyle/>
+                    <a:p>
+                      <a:pPr algn="ctr"/>
+                      <a:r>
+                        <a:rPr lang="en-US" sz="2800" b="0" dirty="0" smtClean="0">
+                          <a:solidFill>
+                            <a:srgbClr val="008000"/>
+                          </a:solidFill>
+                          <a:latin typeface="Comic Sans MS" pitchFamily="66" charset="0"/>
+                        </a:rPr>
+                        <a:t>T</a:t>
+                      </a:r>
+                      <a:endParaRPr lang="en-US" sz="2800" b="0" dirty="0">
+                        <a:solidFill>
+                          <a:srgbClr val="008000"/>
+                        </a:solidFill>
+                        <a:latin typeface="Comic Sans MS" pitchFamily="66" charset="0"/>
+                      </a:endParaRPr>
+                    </a:p>
+                  </a:txBody>
+                  <a:tcPr marL="137160" marR="137160" marT="137160" marB="137160">
+                    <a:lnL w="12700" cap="flat" cmpd="sng" algn="ctr">
+                      <a:solidFill>
+                        <a:schemeClr val="tx1"/>
+                      </a:solidFill>
+                      <a:prstDash val="solid"/>
+                      <a:round/>
+                      <a:headEnd type="none" w="med" len="med"/>
+                      <a:tailEnd type="none" w="med" len="med"/>
+                    </a:lnL>
+                    <a:lnR w="12700" cap="flat" cmpd="sng" algn="ctr">
+                      <a:solidFill>
+                        <a:schemeClr val="tx1"/>
+                      </a:solidFill>
+                      <a:prstDash val="solid"/>
+                      <a:round/>
+                      <a:headEnd type="none" w="med" len="med"/>
+                      <a:tailEnd type="none" w="med" len="med"/>
+                    </a:lnR>
+                    <a:lnT w="12700" cap="flat" cmpd="sng" algn="ctr">
+                      <a:solidFill>
+                        <a:schemeClr val="tx1"/>
+                      </a:solidFill>
+                      <a:prstDash val="solid"/>
+                      <a:round/>
+                      <a:headEnd type="none" w="med" len="med"/>
+                      <a:tailEnd type="none" w="med" len="med"/>
+                    </a:lnT>
+                    <a:lnB w="12700" cap="flat" cmpd="sng" algn="ctr">
+                      <a:solidFill>
+                        <a:schemeClr val="tx1"/>
+                      </a:solidFill>
+                      <a:prstDash val="solid"/>
+                      <a:round/>
+                      <a:headEnd type="none" w="med" len="med"/>
+                      <a:tailEnd type="none" w="med" len="med"/>
+                    </a:lnB>
+                  </a:tcPr>
+                </a:tc>
+              </a:tr>
+              <a:tr h="675281">
+                <a:tc>
+                  <a:txBody>
+                    <a:bodyPr/>
+                    <a:lstStyle/>
+                    <a:p>
+                      <a:pPr algn="ctr"/>
+                      <a:r>
+                        <a:rPr lang="en-US" sz="2800" b="0" dirty="0" smtClean="0">
+                          <a:solidFill>
+                            <a:srgbClr val="C00000"/>
+                          </a:solidFill>
+                          <a:latin typeface="Comic Sans MS" pitchFamily="66" charset="0"/>
+                        </a:rPr>
+                        <a:t>F</a:t>
+                      </a:r>
+                      <a:endParaRPr lang="en-US" sz="2800" b="0" dirty="0">
+                        <a:solidFill>
+                          <a:srgbClr val="C00000"/>
+                        </a:solidFill>
+                        <a:latin typeface="Comic Sans MS" pitchFamily="66" charset="0"/>
+                      </a:endParaRPr>
+                    </a:p>
+                  </a:txBody>
+                  <a:tcPr marL="137160" marR="137160" marT="137160" marB="137160">
+                    <a:lnL w="12700" cap="flat" cmpd="sng" algn="ctr">
+                      <a:solidFill>
+                        <a:schemeClr val="tx1"/>
+                      </a:solidFill>
+                      <a:prstDash val="solid"/>
+                      <a:round/>
+                      <a:headEnd type="none" w="med" len="med"/>
+                      <a:tailEnd type="none" w="med" len="med"/>
+                    </a:lnL>
+                    <a:lnR w="12700" cap="flat" cmpd="sng" algn="ctr">
+                      <a:solidFill>
+                        <a:schemeClr val="tx1"/>
+                      </a:solidFill>
+                      <a:prstDash val="solid"/>
+                      <a:round/>
+                      <a:headEnd type="none" w="med" len="med"/>
+                      <a:tailEnd type="none" w="med" len="med"/>
+                    </a:lnR>
+                    <a:lnT w="12700" cap="flat" cmpd="sng" algn="ctr">
+                      <a:solidFill>
+                        <a:schemeClr val="tx1"/>
+                      </a:solidFill>
+                      <a:prstDash val="solid"/>
+                      <a:round/>
+                      <a:headEnd type="none" w="med" len="med"/>
+                      <a:tailEnd type="none" w="med" len="med"/>
+                    </a:lnT>
+                    <a:lnB w="12700" cap="flat" cmpd="sng" algn="ctr">
+                      <a:solidFill>
+                        <a:schemeClr val="tx1"/>
+                      </a:solidFill>
+                      <a:prstDash val="solid"/>
+                      <a:round/>
+                      <a:headEnd type="none" w="med" len="med"/>
+                      <a:tailEnd type="none" w="med" len="med"/>
+                    </a:lnB>
+                  </a:tcPr>
+                </a:tc>
+                <a:tc>
+                  <a:txBody>
+                    <a:bodyPr/>
+                    <a:lstStyle/>
+                    <a:p>
+                      <a:pPr algn="ctr"/>
+                      <a:r>
+                        <a:rPr lang="en-US" sz="2800" b="0" dirty="0" smtClean="0">
+                          <a:solidFill>
+                            <a:srgbClr val="C00000"/>
+                          </a:solidFill>
+                          <a:latin typeface="Comic Sans MS" pitchFamily="66" charset="0"/>
+                        </a:rPr>
+                        <a:t>F</a:t>
+                      </a:r>
+                      <a:endParaRPr lang="en-US" sz="2800" b="0" dirty="0">
+                        <a:solidFill>
+                          <a:srgbClr val="C00000"/>
+                        </a:solidFill>
+                        <a:latin typeface="Comic Sans MS" pitchFamily="66" charset="0"/>
+                      </a:endParaRPr>
+                    </a:p>
+                  </a:txBody>
+                  <a:tcPr marL="137160" marR="137160" marT="137160" marB="137160">
+                    <a:lnL w="12700" cap="flat" cmpd="sng" algn="ctr">
+                      <a:solidFill>
+                        <a:schemeClr val="tx1"/>
+                      </a:solidFill>
+                      <a:prstDash val="solid"/>
+                      <a:round/>
+                      <a:headEnd type="none" w="med" len="med"/>
+                      <a:tailEnd type="none" w="med" len="med"/>
+                    </a:lnL>
+                    <a:lnR w="12700" cap="flat" cmpd="sng" algn="ctr">
+                      <a:solidFill>
+                        <a:schemeClr val="tx1"/>
+                      </a:solidFill>
+                      <a:prstDash val="solid"/>
+                      <a:round/>
+                      <a:headEnd type="none" w="med" len="med"/>
+                      <a:tailEnd type="none" w="med" len="med"/>
+                    </a:lnR>
+                    <a:lnT w="12700" cap="flat" cmpd="sng" algn="ctr">
+                      <a:solidFill>
+                        <a:schemeClr val="tx1"/>
+                      </a:solidFill>
+                      <a:prstDash val="solid"/>
+                      <a:round/>
+                      <a:headEnd type="none" w="med" len="med"/>
+                      <a:tailEnd type="none" w="med" len="med"/>
+                    </a:lnT>
+                    <a:lnB w="12700" cap="flat" cmpd="sng" algn="ctr">
+                      <a:solidFill>
+                        <a:schemeClr val="tx1"/>
+                      </a:solidFill>
+                      <a:prstDash val="solid"/>
+                      <a:round/>
+                      <a:headEnd type="none" w="med" len="med"/>
+                      <a:tailEnd type="none" w="med" len="med"/>
+                    </a:lnB>
+                  </a:tcPr>
+                </a:tc>
+                <a:tc>
+                  <a:txBody>
+                    <a:bodyPr/>
+                    <a:lstStyle/>
+                    <a:p>
+                      <a:pPr algn="ctr"/>
+                      <a:r>
+                        <a:rPr lang="en-US" sz="2800" b="0" dirty="0" smtClean="0">
+                          <a:solidFill>
+                            <a:srgbClr val="C00000"/>
+                          </a:solidFill>
+                          <a:latin typeface="Comic Sans MS" pitchFamily="66" charset="0"/>
+                        </a:rPr>
+                        <a:t>F</a:t>
+                      </a:r>
+                      <a:endParaRPr lang="en-US" sz="2800" b="0" dirty="0">
+                        <a:solidFill>
+                          <a:srgbClr val="C00000"/>
+                        </a:solidFill>
+                        <a:latin typeface="Comic Sans MS" pitchFamily="66" charset="0"/>
+                      </a:endParaRPr>
+                    </a:p>
+                  </a:txBody>
+                  <a:tcPr marL="137160" marR="137160" marT="137160" marB="137160">
+                    <a:lnL w="12700" cap="flat" cmpd="sng" algn="ctr">
+                      <a:solidFill>
+                        <a:schemeClr val="tx1"/>
+                      </a:solidFill>
+                      <a:prstDash val="solid"/>
+                      <a:round/>
+                      <a:headEnd type="none" w="med" len="med"/>
+                      <a:tailEnd type="none" w="med" len="med"/>
+                    </a:lnL>
+                    <a:lnR w="12700" cap="flat" cmpd="sng" algn="ctr">
+                      <a:solidFill>
+                        <a:schemeClr val="tx1"/>
+                      </a:solidFill>
+                      <a:prstDash val="solid"/>
+                      <a:round/>
+                      <a:headEnd type="none" w="med" len="med"/>
+                      <a:tailEnd type="none" w="med" len="med"/>
+                    </a:lnR>
+                    <a:lnT w="12700" cap="flat" cmpd="sng" algn="ctr">
+                      <a:solidFill>
+                        <a:schemeClr val="tx1"/>
+                      </a:solidFill>
+                      <a:prstDash val="solid"/>
+                      <a:round/>
+                      <a:headEnd type="none" w="med" len="med"/>
+                      <a:tailEnd type="none" w="med" len="med"/>
+                    </a:lnT>
+                    <a:lnB w="12700" cap="flat" cmpd="sng" algn="ctr">
+                      <a:solidFill>
+                        <a:schemeClr val="tx1"/>
+                      </a:solidFill>
+                      <a:prstDash val="solid"/>
+                      <a:round/>
+                      <a:headEnd type="none" w="med" len="med"/>
+                      <a:tailEnd type="none" w="med" len="med"/>
+                    </a:lnB>
+                  </a:tcPr>
+                </a:tc>
+              </a:tr>
+            </a:tbl>
+          </a:graphicData>
+        </a:graphic>
+      </p:graphicFrame>
+      <p:sp>
+        <p:nvSpPr>
+          <p:cNvPr id="23" name="TextBox 22"/>
+          <p:cNvSpPr txBox="1"/>
+          <p:nvPr/>
+        </p:nvSpPr>
+        <p:spPr>
+          <a:xfrm>
+            <a:off x="1378657" y="1132116"/>
+            <a:ext cx="6179897" cy="1077218"/>
+          </a:xfrm>
+          <a:prstGeom prst="rect">
+            <a:avLst/>
+          </a:prstGeom>
+          <a:noFill/>
+        </p:spPr>
+        <p:txBody>
+          <a:bodyPr wrap="none" rtlCol="0">
+            <a:spAutoFit/>
+          </a:bodyPr>
+          <a:lstStyle/>
+          <a:p>
+            <a:r>
+              <a:rPr lang="en-US" sz="3200" dirty="0" smtClean="0">
+                <a:latin typeface="Comic Sans MS" pitchFamily="66" charset="0"/>
+              </a:rPr>
+              <a:t>The value of (P </a:t>
+            </a:r>
+            <a:r>
+              <a:rPr lang="en-US" sz="2800" dirty="0" smtClean="0">
+                <a:solidFill>
+                  <a:srgbClr val="0000FF"/>
+                </a:solidFill>
+                <a:latin typeface="Comic Sans MS" pitchFamily="66" charset="0"/>
+              </a:rPr>
+              <a:t>XOR</a:t>
+            </a:r>
+            <a:r>
+              <a:rPr lang="en-US" sz="3200" dirty="0" smtClean="0">
+                <a:latin typeface="Comic Sans MS" pitchFamily="66" charset="0"/>
+              </a:rPr>
+              <a:t> Q) is </a:t>
+            </a:r>
+            <a:r>
+              <a:rPr lang="en-US" sz="3200" dirty="0" smtClean="0">
+                <a:solidFill>
+                  <a:srgbClr val="008000"/>
+                </a:solidFill>
+                <a:latin typeface="Comic Sans MS" pitchFamily="66" charset="0"/>
+              </a:rPr>
+              <a:t>T</a:t>
+            </a:r>
+            <a:r>
+              <a:rPr lang="en-US" sz="3200" dirty="0" smtClean="0">
+                <a:latin typeface="Comic Sans MS" pitchFamily="66" charset="0"/>
+              </a:rPr>
+              <a:t> </a:t>
+            </a:r>
+            <a:r>
+              <a:rPr lang="en-US" sz="3200" dirty="0" err="1" smtClean="0">
+                <a:latin typeface="Comic Sans MS" pitchFamily="66" charset="0"/>
+              </a:rPr>
+              <a:t>iff</a:t>
+            </a:r>
+            <a:endParaRPr lang="en-US" sz="3200" dirty="0" smtClean="0">
+              <a:latin typeface="Comic Sans MS" pitchFamily="66" charset="0"/>
+            </a:endParaRPr>
+          </a:p>
+          <a:p>
+            <a:r>
+              <a:rPr lang="en-US" sz="3200" dirty="0" smtClean="0">
+                <a:latin typeface="Comic Sans MS" pitchFamily="66" charset="0"/>
+              </a:rPr>
+              <a:t>  </a:t>
+            </a:r>
+            <a:r>
+              <a:rPr lang="en-US" sz="3200" i="1" dirty="0" smtClean="0">
+                <a:latin typeface="Comic Sans MS" pitchFamily="66" charset="0"/>
+              </a:rPr>
+              <a:t>exactly</a:t>
+            </a:r>
+            <a:r>
+              <a:rPr lang="en-US" sz="3200" dirty="0" smtClean="0">
+                <a:latin typeface="Comic Sans MS" pitchFamily="66" charset="0"/>
+              </a:rPr>
+              <a:t> one of P and Q is </a:t>
+            </a:r>
+            <a:r>
+              <a:rPr lang="en-US" sz="3200" dirty="0" smtClean="0">
+                <a:solidFill>
+                  <a:srgbClr val="008000"/>
+                </a:solidFill>
+                <a:latin typeface="Comic Sans MS" pitchFamily="66" charset="0"/>
+              </a:rPr>
+              <a:t>T.</a:t>
+            </a:r>
+            <a:endParaRPr lang="en-US" sz="3200" dirty="0">
+              <a:latin typeface="Comic Sans MS" pitchFamily="66" charset="0"/>
+            </a:endParaRPr>
+          </a:p>
+        </p:txBody>
+      </p:sp>
+      <p:sp>
+        <p:nvSpPr>
+          <p:cNvPr id="24" name="TextBox 23"/>
+          <p:cNvSpPr txBox="1"/>
+          <p:nvPr/>
+        </p:nvSpPr>
+        <p:spPr>
+          <a:xfrm>
+            <a:off x="2616176" y="2212521"/>
+            <a:ext cx="4248278" cy="584775"/>
+          </a:xfrm>
+          <a:prstGeom prst="rect">
+            <a:avLst/>
+          </a:prstGeom>
+          <a:noFill/>
+        </p:spPr>
+        <p:txBody>
+          <a:bodyPr wrap="none" rtlCol="0">
+            <a:spAutoFit/>
+          </a:bodyPr>
+          <a:lstStyle/>
+          <a:p>
+            <a:r>
+              <a:rPr lang="en-US" dirty="0" smtClean="0">
+                <a:latin typeface="Comic Sans MS" pitchFamily="66" charset="0"/>
+              </a:rPr>
+              <a:t>Truth Table for</a:t>
+            </a:r>
+            <a:r>
+              <a:rPr lang="en-US" dirty="0" smtClean="0">
+                <a:solidFill>
+                  <a:srgbClr val="0000FF"/>
+                </a:solidFill>
+                <a:latin typeface="Comic Sans MS" pitchFamily="66" charset="0"/>
+              </a:rPr>
+              <a:t> XOR</a:t>
+            </a:r>
+            <a:endParaRPr lang="en-US" dirty="0">
+              <a:latin typeface="Comic Sans MS" pitchFamily="66" charset="0"/>
+            </a:endParaRPr>
+          </a:p>
+        </p:txBody>
+      </p:sp>
+      <p:sp>
+        <p:nvSpPr>
+          <p:cNvPr id="8" name="Slide Number Placeholder 2"/>
+          <p:cNvSpPr>
+            <a:spLocks noGrp="1"/>
+          </p:cNvSpPr>
+          <p:nvPr>
+            <p:ph type="sldNum" sz="quarter" idx="10"/>
+          </p:nvPr>
+        </p:nvSpPr>
+        <p:spPr>
+          <a:xfrm>
+            <a:off x="7407678" y="6553200"/>
+            <a:ext cx="1736323" cy="276999"/>
+          </a:xfrm>
+          <a:noFill/>
+        </p:spPr>
+        <p:txBody>
+          <a:bodyPr/>
+          <a:lstStyle/>
+          <a:p>
+            <a:r>
+              <a:rPr lang="en-US" dirty="0" smtClean="0"/>
+              <a:t>propositional logic I.</a:t>
+            </a:r>
+            <a:fld id="{0150943C-9303-41DF-A6FA-7E32D6C5D18E}" type="slidenum">
+              <a:rPr lang="en-US" smtClean="0"/>
+              <a:pPr/>
+              <a:t>6</a:t>
+            </a:fld>
+            <a:endParaRPr lang="en-US" dirty="0" smtClean="0"/>
+          </a:p>
+        </p:txBody>
+      </p:sp>
+    </p:spTree>
+  </p:cSld>
+  <p:clrMapOvr>
+    <a:masterClrMapping/>
+  </p:clrMapOvr>
+  <mc:AlternateContent xmlns:mc="http://schemas.openxmlformats.org/markup-compatibility/2006">
+    <mc:Choice xmlns:p14="http://schemas.microsoft.com/office/powerpoint/2010/main" Requires="p14">
+      <p:transition spd="slow" p14:dur="800" advClick="0">
+        <p:fade thruBlk="1"/>
+      </p:transition>
+    </mc:Choice>
+    <mc:Fallback>
+      <p:transition xmlns:p14="http://schemas.microsoft.com/office/powerpoint/2010/main" spd="slow" advClick="0">
+        <p:fade thruBlk="1"/>
+      </p:transition>
+    </mc:Fallback>
+  </mc:AlternateContent>
+  <p:timing>
+    <p:tnLst>
+      <p:par>
+        <p:cTn xmlns:p14="http://schemas.microsoft.com/office/powerpoint/2010/main" id="1" dur="indefinite" restart="never" nodeType="tmRoot">
+          <p:childTnLst>
+            <p:seq concurrent="1" nextAc="seek">
+              <p:cTn id="2" dur="indefinite" nodeType="mainSeq">
+                <p:childTnLst>
+                  <p:par>
+                    <p:cTn id="3" fill="hold">
+                      <p:stCondLst>
+                        <p:cond delay="indefinite"/>
+                      </p:stCondLst>
+                      <p:childTnLst>
+                        <p:par>
+                          <p:cTn id="4" fill="hold">
+                            <p:stCondLst>
+                              <p:cond delay="0"/>
+                            </p:stCondLst>
+                            <p:childTnLst>
+                              <p:par>
+                                <p:cTn id="5" presetID="9" presetClass="entr" presetSubtype="0" fill="hold" grpId="0" nodeType="clickEffect">
+                                  <p:stCondLst>
+                                    <p:cond delay="0"/>
+                                  </p:stCondLst>
+                                  <p:childTnLst>
+                                    <p:set>
+                                      <p:cBhvr>
+                                        <p:cTn id="6" dur="1" fill="hold">
+                                          <p:stCondLst>
+                                            <p:cond delay="0"/>
+                                          </p:stCondLst>
+                                        </p:cTn>
+                                        <p:tgtEl>
+                                          <p:spTgt spid="24"/>
+                                        </p:tgtEl>
+                                        <p:attrNameLst>
+                                          <p:attrName>style.visibility</p:attrName>
+                                        </p:attrNameLst>
+                                      </p:cBhvr>
+                                      <p:to>
+                                        <p:strVal val="visible"/>
+                                      </p:to>
+                                    </p:set>
+                                    <p:animEffect transition="in" filter="dissolve">
+                                      <p:cBhvr>
+                                        <p:cTn id="7" dur="500"/>
+                                        <p:tgtEl>
+                                          <p:spTgt spid="24"/>
+                                        </p:tgtEl>
+                                      </p:cBhvr>
+                                    </p:animEffect>
+                                  </p:childTnLst>
+                                </p:cTn>
+                              </p:par>
+                            </p:childTnLst>
+                          </p:cTn>
+                        </p:par>
+                        <p:par>
+                          <p:cTn id="8" fill="hold">
+                            <p:stCondLst>
+                              <p:cond delay="500"/>
+                            </p:stCondLst>
+                            <p:childTnLst>
+                              <p:par>
+                                <p:cTn id="9" presetID="22" presetClass="entr" presetSubtype="1" fill="hold" nodeType="afterEffect">
+                                  <p:stCondLst>
+                                    <p:cond delay="0"/>
+                                  </p:stCondLst>
+                                  <p:childTnLst>
+                                    <p:set>
+                                      <p:cBhvr>
+                                        <p:cTn id="10" dur="1" fill="hold">
+                                          <p:stCondLst>
+                                            <p:cond delay="0"/>
+                                          </p:stCondLst>
+                                        </p:cTn>
+                                        <p:tgtEl>
+                                          <p:spTgt spid="22"/>
+                                        </p:tgtEl>
+                                        <p:attrNameLst>
+                                          <p:attrName>style.visibility</p:attrName>
+                                        </p:attrNameLst>
+                                      </p:cBhvr>
+                                      <p:to>
+                                        <p:strVal val="visible"/>
+                                      </p:to>
+                                    </p:set>
+                                    <p:animEffect transition="in" filter="wipe(up)">
+                                      <p:cBhvr>
+                                        <p:cTn id="11" dur="1000"/>
                                         <p:tgtEl>
                                           <p:spTgt spid="22"/>
                                         </p:tgtEl>
@@ -13071,9 +13151,18 @@
   <p:clrMapOvr>
     <a:masterClrMapping/>
   </p:clrMapOvr>
-  <p:transition xmlns:p14="http://schemas.microsoft.com/office/powerpoint/2010/main">
-    <p:fade thruBlk="1"/>
-  </p:transition>
+  <mc:AlternateContent xmlns:mc="http://schemas.openxmlformats.org/markup-compatibility/2006">
+    <mc:Choice xmlns:p14="http://schemas.microsoft.com/office/powerpoint/2010/main" Requires="p14">
+      <p:transition spd="slow" p14:dur="800" advClick="0">
+        <p:fade thruBlk="1"/>
+      </p:transition>
+    </mc:Choice>
+    <mc:Fallback>
+      <p:transition xmlns:p14="http://schemas.microsoft.com/office/powerpoint/2010/main" spd="slow" advClick="0">
+        <p:fade thruBlk="1"/>
+      </p:transition>
+    </mc:Fallback>
+  </mc:AlternateContent>
   <p:timing>
     <p:tnLst>
       <p:par>
@@ -13228,7 +13317,7 @@
                             </p:stCondLst>
                             <p:childTnLst>
                               <p:par>
-                                <p:cTn id="17" presetID="10" presetClass="entr" presetSubtype="0" fill="hold" grpId="0" nodeType="afterEffect">
+                                <p:cTn id="17" presetID="9" presetClass="entr" presetSubtype="0" fill="hold" grpId="0" nodeType="afterEffect">
                                   <p:stCondLst>
                                     <p:cond delay="0"/>
                                   </p:stCondLst>
@@ -13251,7 +13340,7 @@
                                         <p:strVal val="visible"/>
                                       </p:to>
                                     </p:set>
-                                    <p:animEffect transition="in" filter="fade">
+                                    <p:animEffect transition="in" filter="dissolve">
                                       <p:cBhvr>
                                         <p:cTn id="19" dur="500"/>
                                         <p:tgtEl>
@@ -14020,9 +14109,18 @@
   <p:clrMapOvr>
     <a:masterClrMapping/>
   </p:clrMapOvr>
-  <p:transition xmlns:p14="http://schemas.microsoft.com/office/powerpoint/2010/main">
-    <p:fade thruBlk="1"/>
-  </p:transition>
+  <mc:AlternateContent xmlns:mc="http://schemas.openxmlformats.org/markup-compatibility/2006">
+    <mc:Choice xmlns:p14="http://schemas.microsoft.com/office/powerpoint/2010/main" Requires="p14">
+      <p:transition spd="slow" p14:dur="800" advClick="0">
+        <p:fade thruBlk="1"/>
+      </p:transition>
+    </mc:Choice>
+    <mc:Fallback>
+      <p:transition xmlns:p14="http://schemas.microsoft.com/office/powerpoint/2010/main" spd="slow" advClick="0">
+        <p:fade thruBlk="1"/>
+      </p:transition>
+    </mc:Fallback>
+  </mc:AlternateContent>
   <p:timing>
     <p:tnLst>
       <p:par>
@@ -14073,7 +14171,7 @@
                                     </p:set>
                                     <p:animEffect transition="in" filter="wipe(left)">
                                       <p:cBhvr>
-                                        <p:cTn id="7" dur="500"/>
+                                        <p:cTn id="7" dur="1000"/>
                                         <p:tgtEl>
                                           <p:spTgt spid="23">
                                             <p:txEl>
@@ -14174,7 +14272,7 @@
                                     </p:set>
                                     <p:animEffect transition="in" filter="wipe(up)">
                                       <p:cBhvr>
-                                        <p:cTn id="16" dur="500"/>
+                                        <p:cTn id="16" dur="1000"/>
                                         <p:tgtEl>
                                           <p:spTgt spid="22"/>
                                         </p:tgtEl>
